--- a/Solar and Lunar Eclipse Milestone Report.pptx
+++ b/Solar and Lunar Eclipse Milestone Report.pptx
@@ -2,47 +2,53 @@
 <file path=ppt/presentation.xml><?xml version="1.0" encoding="utf-8"?>
 <p:presentation xmlns:a="http://schemas.openxmlformats.org/drawingml/2006/main" xmlns:r="http://schemas.openxmlformats.org/officeDocument/2006/relationships" xmlns:mc="http://schemas.openxmlformats.org/markup-compatibility/2006" xmlns:mv="urn:schemas-microsoft-com:mac:vml" xmlns:p="http://schemas.openxmlformats.org/presentationml/2006/main" xmlns:c="http://schemas.openxmlformats.org/drawingml/2006/chart" xmlns:dgm="http://schemas.openxmlformats.org/drawingml/2006/diagram" xmlns:o="urn:schemas-microsoft-com:office:office" xmlns:v="urn:schemas-microsoft-com:vml" xmlns:pvml="urn:schemas-microsoft-com:office:powerpoint" xmlns:com="http://schemas.openxmlformats.org/drawingml/2006/compatibility" xmlns:p14="http://schemas.microsoft.com/office/powerpoint/2010/main" xmlns:p15="http://schemas.microsoft.com/office/powerpoint/2012/main" autoCompressPictures="0" embedTrueTypeFonts="1" strictFirstAndLastChars="0" saveSubsetFonts="1">
   <p:sldMasterIdLst>
-    <p:sldMasterId id="2147483659" r:id="rId4"/>
+    <p:sldMasterId id="2147483659" r:id="rId5"/>
   </p:sldMasterIdLst>
   <p:notesMasterIdLst>
-    <p:notesMasterId r:id="rId5"/>
+    <p:notesMasterId r:id="rId6"/>
   </p:notesMasterIdLst>
   <p:sldIdLst>
-    <p:sldId id="256" r:id="rId6"/>
-    <p:sldId id="257" r:id="rId7"/>
-    <p:sldId id="258" r:id="rId8"/>
-    <p:sldId id="259" r:id="rId9"/>
-    <p:sldId id="260" r:id="rId10"/>
-    <p:sldId id="261" r:id="rId11"/>
-    <p:sldId id="262" r:id="rId12"/>
-    <p:sldId id="263" r:id="rId13"/>
-    <p:sldId id="264" r:id="rId14"/>
-    <p:sldId id="265" r:id="rId15"/>
-    <p:sldId id="266" r:id="rId16"/>
+    <p:sldId id="256" r:id="rId7"/>
+    <p:sldId id="257" r:id="rId8"/>
+    <p:sldId id="258" r:id="rId9"/>
+    <p:sldId id="259" r:id="rId10"/>
+    <p:sldId id="260" r:id="rId11"/>
+    <p:sldId id="261" r:id="rId12"/>
+    <p:sldId id="262" r:id="rId13"/>
+    <p:sldId id="263" r:id="rId14"/>
+    <p:sldId id="264" r:id="rId15"/>
+    <p:sldId id="265" r:id="rId16"/>
+    <p:sldId id="266" r:id="rId17"/>
+    <p:sldId id="267" r:id="rId18"/>
+    <p:sldId id="268" r:id="rId19"/>
+    <p:sldId id="269" r:id="rId20"/>
+    <p:sldId id="270" r:id="rId21"/>
+    <p:sldId id="271" r:id="rId22"/>
+    <p:sldId id="272" r:id="rId23"/>
   </p:sldIdLst>
   <p:sldSz cy="5143500" cx="9144000"/>
   <p:notesSz cx="6858000" cy="9144000"/>
   <p:embeddedFontLst>
     <p:embeddedFont>
       <p:font typeface="Raleway"/>
-      <p:regular r:id="rId17"/>
-      <p:bold r:id="rId18"/>
-      <p:italic r:id="rId19"/>
-      <p:boldItalic r:id="rId20"/>
+      <p:regular r:id="rId24"/>
+      <p:bold r:id="rId25"/>
+      <p:italic r:id="rId26"/>
+      <p:boldItalic r:id="rId27"/>
     </p:embeddedFont>
     <p:embeddedFont>
       <p:font typeface="Garamond"/>
-      <p:regular r:id="rId21"/>
-      <p:bold r:id="rId22"/>
-      <p:italic r:id="rId23"/>
-      <p:boldItalic r:id="rId24"/>
+      <p:regular r:id="rId28"/>
+      <p:bold r:id="rId29"/>
+      <p:italic r:id="rId30"/>
+      <p:boldItalic r:id="rId31"/>
     </p:embeddedFont>
     <p:embeddedFont>
       <p:font typeface="Lato"/>
-      <p:regular r:id="rId25"/>
-      <p:bold r:id="rId26"/>
-      <p:italic r:id="rId27"/>
-      <p:boldItalic r:id="rId28"/>
+      <p:regular r:id="rId32"/>
+      <p:bold r:id="rId33"/>
+      <p:italic r:id="rId34"/>
+      <p:boldItalic r:id="rId35"/>
     </p:embeddedFont>
   </p:embeddedFontLst>
   <p:defaultTextStyle>
@@ -972,6 +978,600 @@
       <p:sp>
         <p:nvSpPr>
           <p:cNvPr id="146" name="Google Shape;146;g5c34999301_0_185:notes"/>
+          <p:cNvSpPr txBox="1"/>
+          <p:nvPr>
+            <p:ph idx="1" type="body"/>
+          </p:nvPr>
+        </p:nvSpPr>
+        <p:spPr>
+          <a:xfrm>
+            <a:off x="685800" y="4343400"/>
+            <a:ext cx="5486400" cy="4114800"/>
+          </a:xfrm>
+          <a:prstGeom prst="rect">
+            <a:avLst/>
+          </a:prstGeom>
+        </p:spPr>
+        <p:txBody>
+          <a:bodyPr anchorCtr="0" anchor="t" bIns="91425" lIns="91425" spcFirstLastPara="1" rIns="91425" wrap="square" tIns="91425">
+            <a:noAutofit/>
+          </a:bodyPr>
+          <a:lstStyle/>
+          <a:p>
+            <a:pPr indent="0" lvl="0" marL="0" rtl="0" algn="l">
+              <a:spcBef>
+                <a:spcPts val="0"/>
+              </a:spcBef>
+              <a:spcAft>
+                <a:spcPts val="0"/>
+              </a:spcAft>
+              <a:buNone/>
+            </a:pPr>
+            <a:r>
+              <a:t/>
+            </a:r>
+            <a:endParaRPr/>
+          </a:p>
+        </p:txBody>
+      </p:sp>
+    </p:spTree>
+  </p:cSld>
+  <p:clrMapOvr>
+    <a:masterClrMapping/>
+  </p:clrMapOvr>
+</p:notes>
+</file>
+
+<file path=ppt/notesSlides/notesSlide12.xml><?xml version="1.0" encoding="utf-8"?>
+<p:notes xmlns:a="http://schemas.openxmlformats.org/drawingml/2006/main" xmlns:r="http://schemas.openxmlformats.org/officeDocument/2006/relationships" xmlns:mc="http://schemas.openxmlformats.org/markup-compatibility/2006" xmlns:mv="urn:schemas-microsoft-com:mac:vml" xmlns:p="http://schemas.openxmlformats.org/presentationml/2006/main" xmlns:c="http://schemas.openxmlformats.org/drawingml/2006/chart" xmlns:dgm="http://schemas.openxmlformats.org/drawingml/2006/diagram" xmlns:o="urn:schemas-microsoft-com:office:office" xmlns:v="urn:schemas-microsoft-com:vml" xmlns:pvml="urn:schemas-microsoft-com:office:powerpoint" xmlns:com="http://schemas.openxmlformats.org/drawingml/2006/compatibility" xmlns:p14="http://schemas.microsoft.com/office/powerpoint/2010/main" xmlns:p15="http://schemas.microsoft.com/office/powerpoint/2012/main" showMasterPhAnim="0" showMasterSp="0">
+  <p:cSld>
+    <p:spTree>
+      <p:nvGrpSpPr>
+        <p:cNvPr id="151" name="Shape 151"/>
+        <p:cNvGrpSpPr/>
+        <p:nvPr/>
+      </p:nvGrpSpPr>
+      <p:grpSpPr>
+        <a:xfrm>
+          <a:off x="0" y="0"/>
+          <a:ext cx="0" cy="0"/>
+          <a:chOff x="0" y="0"/>
+          <a:chExt cx="0" cy="0"/>
+        </a:xfrm>
+      </p:grpSpPr>
+      <p:sp>
+        <p:nvSpPr>
+          <p:cNvPr id="152" name="Google Shape;152;g627fd5a149_0_0:notes"/>
+          <p:cNvSpPr/>
+          <p:nvPr>
+            <p:ph idx="2" type="sldImg"/>
+          </p:nvPr>
+        </p:nvSpPr>
+        <p:spPr>
+          <a:xfrm>
+            <a:off x="381300" y="685800"/>
+            <a:ext cx="6096000" cy="3429000"/>
+          </a:xfrm>
+          <a:custGeom>
+            <a:rect b="b" l="l" r="r" t="t"/>
+            <a:pathLst>
+              <a:path extrusionOk="0" h="120000" w="120000">
+                <a:moveTo>
+                  <a:pt x="0" y="0"/>
+                </a:moveTo>
+                <a:lnTo>
+                  <a:pt x="120000" y="0"/>
+                </a:lnTo>
+                <a:lnTo>
+                  <a:pt x="120000" y="120000"/>
+                </a:lnTo>
+                <a:lnTo>
+                  <a:pt x="0" y="120000"/>
+                </a:lnTo>
+                <a:close/>
+              </a:path>
+            </a:pathLst>
+          </a:custGeom>
+        </p:spPr>
+      </p:sp>
+      <p:sp>
+        <p:nvSpPr>
+          <p:cNvPr id="153" name="Google Shape;153;g627fd5a149_0_0:notes"/>
+          <p:cNvSpPr txBox="1"/>
+          <p:nvPr>
+            <p:ph idx="1" type="body"/>
+          </p:nvPr>
+        </p:nvSpPr>
+        <p:spPr>
+          <a:xfrm>
+            <a:off x="685800" y="4343400"/>
+            <a:ext cx="5486400" cy="4114800"/>
+          </a:xfrm>
+          <a:prstGeom prst="rect">
+            <a:avLst/>
+          </a:prstGeom>
+        </p:spPr>
+        <p:txBody>
+          <a:bodyPr anchorCtr="0" anchor="t" bIns="91425" lIns="91425" spcFirstLastPara="1" rIns="91425" wrap="square" tIns="91425">
+            <a:noAutofit/>
+          </a:bodyPr>
+          <a:lstStyle/>
+          <a:p>
+            <a:pPr indent="0" lvl="0" marL="0" rtl="0" algn="l">
+              <a:spcBef>
+                <a:spcPts val="0"/>
+              </a:spcBef>
+              <a:spcAft>
+                <a:spcPts val="0"/>
+              </a:spcAft>
+              <a:buNone/>
+            </a:pPr>
+            <a:r>
+              <a:t/>
+            </a:r>
+            <a:endParaRPr/>
+          </a:p>
+        </p:txBody>
+      </p:sp>
+    </p:spTree>
+  </p:cSld>
+  <p:clrMapOvr>
+    <a:masterClrMapping/>
+  </p:clrMapOvr>
+</p:notes>
+</file>
+
+<file path=ppt/notesSlides/notesSlide13.xml><?xml version="1.0" encoding="utf-8"?>
+<p:notes xmlns:a="http://schemas.openxmlformats.org/drawingml/2006/main" xmlns:r="http://schemas.openxmlformats.org/officeDocument/2006/relationships" xmlns:mc="http://schemas.openxmlformats.org/markup-compatibility/2006" xmlns:mv="urn:schemas-microsoft-com:mac:vml" xmlns:p="http://schemas.openxmlformats.org/presentationml/2006/main" xmlns:c="http://schemas.openxmlformats.org/drawingml/2006/chart" xmlns:dgm="http://schemas.openxmlformats.org/drawingml/2006/diagram" xmlns:o="urn:schemas-microsoft-com:office:office" xmlns:v="urn:schemas-microsoft-com:vml" xmlns:pvml="urn:schemas-microsoft-com:office:powerpoint" xmlns:com="http://schemas.openxmlformats.org/drawingml/2006/compatibility" xmlns:p14="http://schemas.microsoft.com/office/powerpoint/2010/main" xmlns:p15="http://schemas.microsoft.com/office/powerpoint/2012/main" showMasterPhAnim="0" showMasterSp="0">
+  <p:cSld>
+    <p:spTree>
+      <p:nvGrpSpPr>
+        <p:cNvPr id="157" name="Shape 157"/>
+        <p:cNvGrpSpPr/>
+        <p:nvPr/>
+      </p:nvGrpSpPr>
+      <p:grpSpPr>
+        <a:xfrm>
+          <a:off x="0" y="0"/>
+          <a:ext cx="0" cy="0"/>
+          <a:chOff x="0" y="0"/>
+          <a:chExt cx="0" cy="0"/>
+        </a:xfrm>
+      </p:grpSpPr>
+      <p:sp>
+        <p:nvSpPr>
+          <p:cNvPr id="158" name="Google Shape;158;g627fd5a149_0_5:notes"/>
+          <p:cNvSpPr/>
+          <p:nvPr>
+            <p:ph idx="2" type="sldImg"/>
+          </p:nvPr>
+        </p:nvSpPr>
+        <p:spPr>
+          <a:xfrm>
+            <a:off x="381300" y="685800"/>
+            <a:ext cx="6096000" cy="3429000"/>
+          </a:xfrm>
+          <a:custGeom>
+            <a:rect b="b" l="l" r="r" t="t"/>
+            <a:pathLst>
+              <a:path extrusionOk="0" h="120000" w="120000">
+                <a:moveTo>
+                  <a:pt x="0" y="0"/>
+                </a:moveTo>
+                <a:lnTo>
+                  <a:pt x="120000" y="0"/>
+                </a:lnTo>
+                <a:lnTo>
+                  <a:pt x="120000" y="120000"/>
+                </a:lnTo>
+                <a:lnTo>
+                  <a:pt x="0" y="120000"/>
+                </a:lnTo>
+                <a:close/>
+              </a:path>
+            </a:pathLst>
+          </a:custGeom>
+        </p:spPr>
+      </p:sp>
+      <p:sp>
+        <p:nvSpPr>
+          <p:cNvPr id="159" name="Google Shape;159;g627fd5a149_0_5:notes"/>
+          <p:cNvSpPr txBox="1"/>
+          <p:nvPr>
+            <p:ph idx="1" type="body"/>
+          </p:nvPr>
+        </p:nvSpPr>
+        <p:spPr>
+          <a:xfrm>
+            <a:off x="685800" y="4343400"/>
+            <a:ext cx="5486400" cy="4114800"/>
+          </a:xfrm>
+          <a:prstGeom prst="rect">
+            <a:avLst/>
+          </a:prstGeom>
+        </p:spPr>
+        <p:txBody>
+          <a:bodyPr anchorCtr="0" anchor="t" bIns="91425" lIns="91425" spcFirstLastPara="1" rIns="91425" wrap="square" tIns="91425">
+            <a:noAutofit/>
+          </a:bodyPr>
+          <a:lstStyle/>
+          <a:p>
+            <a:pPr indent="0" lvl="0" marL="0" rtl="0" algn="l">
+              <a:spcBef>
+                <a:spcPts val="0"/>
+              </a:spcBef>
+              <a:spcAft>
+                <a:spcPts val="0"/>
+              </a:spcAft>
+              <a:buNone/>
+            </a:pPr>
+            <a:r>
+              <a:t/>
+            </a:r>
+            <a:endParaRPr/>
+          </a:p>
+        </p:txBody>
+      </p:sp>
+    </p:spTree>
+  </p:cSld>
+  <p:clrMapOvr>
+    <a:masterClrMapping/>
+  </p:clrMapOvr>
+</p:notes>
+</file>
+
+<file path=ppt/notesSlides/notesSlide14.xml><?xml version="1.0" encoding="utf-8"?>
+<p:notes xmlns:a="http://schemas.openxmlformats.org/drawingml/2006/main" xmlns:r="http://schemas.openxmlformats.org/officeDocument/2006/relationships" xmlns:mc="http://schemas.openxmlformats.org/markup-compatibility/2006" xmlns:mv="urn:schemas-microsoft-com:mac:vml" xmlns:p="http://schemas.openxmlformats.org/presentationml/2006/main" xmlns:c="http://schemas.openxmlformats.org/drawingml/2006/chart" xmlns:dgm="http://schemas.openxmlformats.org/drawingml/2006/diagram" xmlns:o="urn:schemas-microsoft-com:office:office" xmlns:v="urn:schemas-microsoft-com:vml" xmlns:pvml="urn:schemas-microsoft-com:office:powerpoint" xmlns:com="http://schemas.openxmlformats.org/drawingml/2006/compatibility" xmlns:p14="http://schemas.microsoft.com/office/powerpoint/2010/main" xmlns:p15="http://schemas.microsoft.com/office/powerpoint/2012/main" showMasterPhAnim="0" showMasterSp="0">
+  <p:cSld>
+    <p:spTree>
+      <p:nvGrpSpPr>
+        <p:cNvPr id="163" name="Shape 163"/>
+        <p:cNvGrpSpPr/>
+        <p:nvPr/>
+      </p:nvGrpSpPr>
+      <p:grpSpPr>
+        <a:xfrm>
+          <a:off x="0" y="0"/>
+          <a:ext cx="0" cy="0"/>
+          <a:chOff x="0" y="0"/>
+          <a:chExt cx="0" cy="0"/>
+        </a:xfrm>
+      </p:grpSpPr>
+      <p:sp>
+        <p:nvSpPr>
+          <p:cNvPr id="164" name="Google Shape;164;g627fd5a149_0_10:notes"/>
+          <p:cNvSpPr/>
+          <p:nvPr>
+            <p:ph idx="2" type="sldImg"/>
+          </p:nvPr>
+        </p:nvSpPr>
+        <p:spPr>
+          <a:xfrm>
+            <a:off x="381300" y="685800"/>
+            <a:ext cx="6096000" cy="3429000"/>
+          </a:xfrm>
+          <a:custGeom>
+            <a:rect b="b" l="l" r="r" t="t"/>
+            <a:pathLst>
+              <a:path extrusionOk="0" h="120000" w="120000">
+                <a:moveTo>
+                  <a:pt x="0" y="0"/>
+                </a:moveTo>
+                <a:lnTo>
+                  <a:pt x="120000" y="0"/>
+                </a:lnTo>
+                <a:lnTo>
+                  <a:pt x="120000" y="120000"/>
+                </a:lnTo>
+                <a:lnTo>
+                  <a:pt x="0" y="120000"/>
+                </a:lnTo>
+                <a:close/>
+              </a:path>
+            </a:pathLst>
+          </a:custGeom>
+        </p:spPr>
+      </p:sp>
+      <p:sp>
+        <p:nvSpPr>
+          <p:cNvPr id="165" name="Google Shape;165;g627fd5a149_0_10:notes"/>
+          <p:cNvSpPr txBox="1"/>
+          <p:nvPr>
+            <p:ph idx="1" type="body"/>
+          </p:nvPr>
+        </p:nvSpPr>
+        <p:spPr>
+          <a:xfrm>
+            <a:off x="685800" y="4343400"/>
+            <a:ext cx="5486400" cy="4114800"/>
+          </a:xfrm>
+          <a:prstGeom prst="rect">
+            <a:avLst/>
+          </a:prstGeom>
+        </p:spPr>
+        <p:txBody>
+          <a:bodyPr anchorCtr="0" anchor="t" bIns="91425" lIns="91425" spcFirstLastPara="1" rIns="91425" wrap="square" tIns="91425">
+            <a:noAutofit/>
+          </a:bodyPr>
+          <a:lstStyle/>
+          <a:p>
+            <a:pPr indent="0" lvl="0" marL="0" rtl="0" algn="l">
+              <a:spcBef>
+                <a:spcPts val="0"/>
+              </a:spcBef>
+              <a:spcAft>
+                <a:spcPts val="0"/>
+              </a:spcAft>
+              <a:buNone/>
+            </a:pPr>
+            <a:r>
+              <a:t/>
+            </a:r>
+            <a:endParaRPr/>
+          </a:p>
+        </p:txBody>
+      </p:sp>
+    </p:spTree>
+  </p:cSld>
+  <p:clrMapOvr>
+    <a:masterClrMapping/>
+  </p:clrMapOvr>
+</p:notes>
+</file>
+
+<file path=ppt/notesSlides/notesSlide15.xml><?xml version="1.0" encoding="utf-8"?>
+<p:notes xmlns:a="http://schemas.openxmlformats.org/drawingml/2006/main" xmlns:r="http://schemas.openxmlformats.org/officeDocument/2006/relationships" xmlns:mc="http://schemas.openxmlformats.org/markup-compatibility/2006" xmlns:mv="urn:schemas-microsoft-com:mac:vml" xmlns:p="http://schemas.openxmlformats.org/presentationml/2006/main" xmlns:c="http://schemas.openxmlformats.org/drawingml/2006/chart" xmlns:dgm="http://schemas.openxmlformats.org/drawingml/2006/diagram" xmlns:o="urn:schemas-microsoft-com:office:office" xmlns:v="urn:schemas-microsoft-com:vml" xmlns:pvml="urn:schemas-microsoft-com:office:powerpoint" xmlns:com="http://schemas.openxmlformats.org/drawingml/2006/compatibility" xmlns:p14="http://schemas.microsoft.com/office/powerpoint/2010/main" xmlns:p15="http://schemas.microsoft.com/office/powerpoint/2012/main" showMasterPhAnim="0" showMasterSp="0">
+  <p:cSld>
+    <p:spTree>
+      <p:nvGrpSpPr>
+        <p:cNvPr id="169" name="Shape 169"/>
+        <p:cNvGrpSpPr/>
+        <p:nvPr/>
+      </p:nvGrpSpPr>
+      <p:grpSpPr>
+        <a:xfrm>
+          <a:off x="0" y="0"/>
+          <a:ext cx="0" cy="0"/>
+          <a:chOff x="0" y="0"/>
+          <a:chExt cx="0" cy="0"/>
+        </a:xfrm>
+      </p:grpSpPr>
+      <p:sp>
+        <p:nvSpPr>
+          <p:cNvPr id="170" name="Google Shape;170;g627fd5a149_0_15:notes"/>
+          <p:cNvSpPr/>
+          <p:nvPr>
+            <p:ph idx="2" type="sldImg"/>
+          </p:nvPr>
+        </p:nvSpPr>
+        <p:spPr>
+          <a:xfrm>
+            <a:off x="381300" y="685800"/>
+            <a:ext cx="6096000" cy="3429000"/>
+          </a:xfrm>
+          <a:custGeom>
+            <a:rect b="b" l="l" r="r" t="t"/>
+            <a:pathLst>
+              <a:path extrusionOk="0" h="120000" w="120000">
+                <a:moveTo>
+                  <a:pt x="0" y="0"/>
+                </a:moveTo>
+                <a:lnTo>
+                  <a:pt x="120000" y="0"/>
+                </a:lnTo>
+                <a:lnTo>
+                  <a:pt x="120000" y="120000"/>
+                </a:lnTo>
+                <a:lnTo>
+                  <a:pt x="0" y="120000"/>
+                </a:lnTo>
+                <a:close/>
+              </a:path>
+            </a:pathLst>
+          </a:custGeom>
+        </p:spPr>
+      </p:sp>
+      <p:sp>
+        <p:nvSpPr>
+          <p:cNvPr id="171" name="Google Shape;171;g627fd5a149_0_15:notes"/>
+          <p:cNvSpPr txBox="1"/>
+          <p:nvPr>
+            <p:ph idx="1" type="body"/>
+          </p:nvPr>
+        </p:nvSpPr>
+        <p:spPr>
+          <a:xfrm>
+            <a:off x="685800" y="4343400"/>
+            <a:ext cx="5486400" cy="4114800"/>
+          </a:xfrm>
+          <a:prstGeom prst="rect">
+            <a:avLst/>
+          </a:prstGeom>
+        </p:spPr>
+        <p:txBody>
+          <a:bodyPr anchorCtr="0" anchor="t" bIns="91425" lIns="91425" spcFirstLastPara="1" rIns="91425" wrap="square" tIns="91425">
+            <a:noAutofit/>
+          </a:bodyPr>
+          <a:lstStyle/>
+          <a:p>
+            <a:pPr indent="0" lvl="0" marL="0" rtl="0" algn="l">
+              <a:spcBef>
+                <a:spcPts val="0"/>
+              </a:spcBef>
+              <a:spcAft>
+                <a:spcPts val="0"/>
+              </a:spcAft>
+              <a:buNone/>
+            </a:pPr>
+            <a:r>
+              <a:t/>
+            </a:r>
+            <a:endParaRPr/>
+          </a:p>
+        </p:txBody>
+      </p:sp>
+    </p:spTree>
+  </p:cSld>
+  <p:clrMapOvr>
+    <a:masterClrMapping/>
+  </p:clrMapOvr>
+</p:notes>
+</file>
+
+<file path=ppt/notesSlides/notesSlide16.xml><?xml version="1.0" encoding="utf-8"?>
+<p:notes xmlns:a="http://schemas.openxmlformats.org/drawingml/2006/main" xmlns:r="http://schemas.openxmlformats.org/officeDocument/2006/relationships" xmlns:mc="http://schemas.openxmlformats.org/markup-compatibility/2006" xmlns:mv="urn:schemas-microsoft-com:mac:vml" xmlns:p="http://schemas.openxmlformats.org/presentationml/2006/main" xmlns:c="http://schemas.openxmlformats.org/drawingml/2006/chart" xmlns:dgm="http://schemas.openxmlformats.org/drawingml/2006/diagram" xmlns:o="urn:schemas-microsoft-com:office:office" xmlns:v="urn:schemas-microsoft-com:vml" xmlns:pvml="urn:schemas-microsoft-com:office:powerpoint" xmlns:com="http://schemas.openxmlformats.org/drawingml/2006/compatibility" xmlns:p14="http://schemas.microsoft.com/office/powerpoint/2010/main" xmlns:p15="http://schemas.microsoft.com/office/powerpoint/2012/main" showMasterPhAnim="0" showMasterSp="0">
+  <p:cSld>
+    <p:spTree>
+      <p:nvGrpSpPr>
+        <p:cNvPr id="175" name="Shape 175"/>
+        <p:cNvGrpSpPr/>
+        <p:nvPr/>
+      </p:nvGrpSpPr>
+      <p:grpSpPr>
+        <a:xfrm>
+          <a:off x="0" y="0"/>
+          <a:ext cx="0" cy="0"/>
+          <a:chOff x="0" y="0"/>
+          <a:chExt cx="0" cy="0"/>
+        </a:xfrm>
+      </p:grpSpPr>
+      <p:sp>
+        <p:nvSpPr>
+          <p:cNvPr id="176" name="Google Shape;176;g627fd5a149_0_21:notes"/>
+          <p:cNvSpPr/>
+          <p:nvPr>
+            <p:ph idx="2" type="sldImg"/>
+          </p:nvPr>
+        </p:nvSpPr>
+        <p:spPr>
+          <a:xfrm>
+            <a:off x="381300" y="685800"/>
+            <a:ext cx="6096000" cy="3429000"/>
+          </a:xfrm>
+          <a:custGeom>
+            <a:rect b="b" l="l" r="r" t="t"/>
+            <a:pathLst>
+              <a:path extrusionOk="0" h="120000" w="120000">
+                <a:moveTo>
+                  <a:pt x="0" y="0"/>
+                </a:moveTo>
+                <a:lnTo>
+                  <a:pt x="120000" y="0"/>
+                </a:lnTo>
+                <a:lnTo>
+                  <a:pt x="120000" y="120000"/>
+                </a:lnTo>
+                <a:lnTo>
+                  <a:pt x="0" y="120000"/>
+                </a:lnTo>
+                <a:close/>
+              </a:path>
+            </a:pathLst>
+          </a:custGeom>
+        </p:spPr>
+      </p:sp>
+      <p:sp>
+        <p:nvSpPr>
+          <p:cNvPr id="177" name="Google Shape;177;g627fd5a149_0_21:notes"/>
+          <p:cNvSpPr txBox="1"/>
+          <p:nvPr>
+            <p:ph idx="1" type="body"/>
+          </p:nvPr>
+        </p:nvSpPr>
+        <p:spPr>
+          <a:xfrm>
+            <a:off x="685800" y="4343400"/>
+            <a:ext cx="5486400" cy="4114800"/>
+          </a:xfrm>
+          <a:prstGeom prst="rect">
+            <a:avLst/>
+          </a:prstGeom>
+        </p:spPr>
+        <p:txBody>
+          <a:bodyPr anchorCtr="0" anchor="t" bIns="91425" lIns="91425" spcFirstLastPara="1" rIns="91425" wrap="square" tIns="91425">
+            <a:noAutofit/>
+          </a:bodyPr>
+          <a:lstStyle/>
+          <a:p>
+            <a:pPr indent="0" lvl="0" marL="0" rtl="0" algn="l">
+              <a:spcBef>
+                <a:spcPts val="0"/>
+              </a:spcBef>
+              <a:spcAft>
+                <a:spcPts val="0"/>
+              </a:spcAft>
+              <a:buNone/>
+            </a:pPr>
+            <a:r>
+              <a:t/>
+            </a:r>
+            <a:endParaRPr/>
+          </a:p>
+        </p:txBody>
+      </p:sp>
+    </p:spTree>
+  </p:cSld>
+  <p:clrMapOvr>
+    <a:masterClrMapping/>
+  </p:clrMapOvr>
+</p:notes>
+</file>
+
+<file path=ppt/notesSlides/notesSlide17.xml><?xml version="1.0" encoding="utf-8"?>
+<p:notes xmlns:a="http://schemas.openxmlformats.org/drawingml/2006/main" xmlns:r="http://schemas.openxmlformats.org/officeDocument/2006/relationships" xmlns:mc="http://schemas.openxmlformats.org/markup-compatibility/2006" xmlns:mv="urn:schemas-microsoft-com:mac:vml" xmlns:p="http://schemas.openxmlformats.org/presentationml/2006/main" xmlns:c="http://schemas.openxmlformats.org/drawingml/2006/chart" xmlns:dgm="http://schemas.openxmlformats.org/drawingml/2006/diagram" xmlns:o="urn:schemas-microsoft-com:office:office" xmlns:v="urn:schemas-microsoft-com:vml" xmlns:pvml="urn:schemas-microsoft-com:office:powerpoint" xmlns:com="http://schemas.openxmlformats.org/drawingml/2006/compatibility" xmlns:p14="http://schemas.microsoft.com/office/powerpoint/2010/main" xmlns:p15="http://schemas.microsoft.com/office/powerpoint/2012/main" showMasterPhAnim="0" showMasterSp="0">
+  <p:cSld>
+    <p:spTree>
+      <p:nvGrpSpPr>
+        <p:cNvPr id="182" name="Shape 182"/>
+        <p:cNvGrpSpPr/>
+        <p:nvPr/>
+      </p:nvGrpSpPr>
+      <p:grpSpPr>
+        <a:xfrm>
+          <a:off x="0" y="0"/>
+          <a:ext cx="0" cy="0"/>
+          <a:chOff x="0" y="0"/>
+          <a:chExt cx="0" cy="0"/>
+        </a:xfrm>
+      </p:grpSpPr>
+      <p:sp>
+        <p:nvSpPr>
+          <p:cNvPr id="183" name="Google Shape;183;g627fd5a149_0_28:notes"/>
+          <p:cNvSpPr/>
+          <p:nvPr>
+            <p:ph idx="2" type="sldImg"/>
+          </p:nvPr>
+        </p:nvSpPr>
+        <p:spPr>
+          <a:xfrm>
+            <a:off x="381300" y="685800"/>
+            <a:ext cx="6096000" cy="3429000"/>
+          </a:xfrm>
+          <a:custGeom>
+            <a:rect b="b" l="l" r="r" t="t"/>
+            <a:pathLst>
+              <a:path extrusionOk="0" h="120000" w="120000">
+                <a:moveTo>
+                  <a:pt x="0" y="0"/>
+                </a:moveTo>
+                <a:lnTo>
+                  <a:pt x="120000" y="0"/>
+                </a:lnTo>
+                <a:lnTo>
+                  <a:pt x="120000" y="120000"/>
+                </a:lnTo>
+                <a:lnTo>
+                  <a:pt x="0" y="120000"/>
+                </a:lnTo>
+                <a:close/>
+              </a:path>
+            </a:pathLst>
+          </a:custGeom>
+        </p:spPr>
+      </p:sp>
+      <p:sp>
+        <p:nvSpPr>
+          <p:cNvPr id="184" name="Google Shape;184;g627fd5a149_0_28:notes"/>
           <p:cNvSpPr txBox="1"/>
           <p:nvPr>
             <p:ph idx="1" type="body"/>
@@ -8537,7 +9137,7 @@
             </a:pPr>
             <a:r>
               <a:rPr lang="en"/>
-              <a:t>Mentor: Jan Zikes</a:t>
+              <a:t>Mentor: Jan Zikeš</a:t>
             </a:r>
             <a:endParaRPr/>
           </a:p>
@@ -9062,6 +9662,2588 @@
           </a:ln>
         </p:spPr>
       </p:pic>
+    </p:spTree>
+  </p:cSld>
+  <p:clrMapOvr>
+    <a:masterClrMapping/>
+  </p:clrMapOvr>
+</p:sld>
+</file>
+
+<file path=ppt/slides/slide12.xml><?xml version="1.0" encoding="utf-8"?>
+<p:sld xmlns:a="http://schemas.openxmlformats.org/drawingml/2006/main" xmlns:r="http://schemas.openxmlformats.org/officeDocument/2006/relationships" xmlns:mc="http://schemas.openxmlformats.org/markup-compatibility/2006" xmlns:mv="urn:schemas-microsoft-com:mac:vml" xmlns:p="http://schemas.openxmlformats.org/presentationml/2006/main" xmlns:c="http://schemas.openxmlformats.org/drawingml/2006/chart" xmlns:dgm="http://schemas.openxmlformats.org/drawingml/2006/diagram" xmlns:o="urn:schemas-microsoft-com:office:office" xmlns:v="urn:schemas-microsoft-com:vml" xmlns:pvml="urn:schemas-microsoft-com:office:powerpoint" xmlns:com="http://schemas.openxmlformats.org/drawingml/2006/compatibility" xmlns:p14="http://schemas.microsoft.com/office/powerpoint/2010/main" xmlns:p15="http://schemas.microsoft.com/office/powerpoint/2012/main">
+  <p:cSld>
+    <p:spTree>
+      <p:nvGrpSpPr>
+        <p:cNvPr id="154" name="Shape 154"/>
+        <p:cNvGrpSpPr/>
+        <p:nvPr/>
+      </p:nvGrpSpPr>
+      <p:grpSpPr>
+        <a:xfrm>
+          <a:off x="0" y="0"/>
+          <a:ext cx="0" cy="0"/>
+          <a:chOff x="0" y="0"/>
+          <a:chExt cx="0" cy="0"/>
+        </a:xfrm>
+      </p:grpSpPr>
+      <p:sp>
+        <p:nvSpPr>
+          <p:cNvPr id="155" name="Google Shape;155;p24"/>
+          <p:cNvSpPr txBox="1"/>
+          <p:nvPr>
+            <p:ph type="title"/>
+          </p:nvPr>
+        </p:nvSpPr>
+        <p:spPr>
+          <a:xfrm>
+            <a:off x="729450" y="1318650"/>
+            <a:ext cx="7688700" cy="535200"/>
+          </a:xfrm>
+          <a:prstGeom prst="rect">
+            <a:avLst/>
+          </a:prstGeom>
+        </p:spPr>
+        <p:txBody>
+          <a:bodyPr anchorCtr="0" anchor="t" bIns="91425" lIns="91425" spcFirstLastPara="1" rIns="91425" wrap="square" tIns="91425">
+            <a:noAutofit/>
+          </a:bodyPr>
+          <a:lstStyle/>
+          <a:p>
+            <a:pPr indent="0" lvl="0" marL="0" rtl="0" algn="l">
+              <a:spcBef>
+                <a:spcPts val="0"/>
+              </a:spcBef>
+              <a:spcAft>
+                <a:spcPts val="0"/>
+              </a:spcAft>
+              <a:buNone/>
+            </a:pPr>
+            <a:r>
+              <a:rPr lang="en"/>
+              <a:t>Machine Learning Analysis</a:t>
+            </a:r>
+            <a:endParaRPr/>
+          </a:p>
+        </p:txBody>
+      </p:sp>
+      <p:sp>
+        <p:nvSpPr>
+          <p:cNvPr id="156" name="Google Shape;156;p24"/>
+          <p:cNvSpPr txBox="1"/>
+          <p:nvPr>
+            <p:ph idx="1" type="body"/>
+          </p:nvPr>
+        </p:nvSpPr>
+        <p:spPr>
+          <a:xfrm>
+            <a:off x="729450" y="2078875"/>
+            <a:ext cx="7688700" cy="2261100"/>
+          </a:xfrm>
+          <a:prstGeom prst="rect">
+            <a:avLst/>
+          </a:prstGeom>
+        </p:spPr>
+        <p:txBody>
+          <a:bodyPr anchorCtr="0" anchor="t" bIns="91425" lIns="91425" spcFirstLastPara="1" rIns="91425" wrap="square" tIns="91425">
+            <a:noAutofit/>
+          </a:bodyPr>
+          <a:lstStyle/>
+          <a:p>
+            <a:pPr indent="0" lvl="0" marL="0" rtl="0" algn="l">
+              <a:spcBef>
+                <a:spcPts val="0"/>
+              </a:spcBef>
+              <a:spcAft>
+                <a:spcPts val="0"/>
+              </a:spcAft>
+              <a:buNone/>
+            </a:pPr>
+            <a:r>
+              <a:rPr b="1" lang="en" sz="1400">
+                <a:solidFill>
+                  <a:srgbClr val="000000"/>
+                </a:solidFill>
+              </a:rPr>
+              <a:t>Goal</a:t>
+            </a:r>
+            <a:r>
+              <a:rPr b="1" lang="en" sz="1400"/>
+              <a:t> : </a:t>
+            </a:r>
+            <a:r>
+              <a:rPr lang="en" sz="1100">
+                <a:solidFill>
+                  <a:srgbClr val="000000"/>
+                </a:solidFill>
+                <a:latin typeface="Arial"/>
+                <a:ea typeface="Arial"/>
+                <a:cs typeface="Arial"/>
+                <a:sym typeface="Arial"/>
+              </a:rPr>
+              <a:t> </a:t>
+            </a:r>
+            <a:endParaRPr sz="1100">
+              <a:solidFill>
+                <a:srgbClr val="000000"/>
+              </a:solidFill>
+              <a:latin typeface="Arial"/>
+              <a:ea typeface="Arial"/>
+              <a:cs typeface="Arial"/>
+              <a:sym typeface="Arial"/>
+            </a:endParaRPr>
+          </a:p>
+          <a:p>
+            <a:pPr indent="0" lvl="0" marL="0" rtl="0" algn="l">
+              <a:spcBef>
+                <a:spcPts val="1600"/>
+              </a:spcBef>
+              <a:spcAft>
+                <a:spcPts val="0"/>
+              </a:spcAft>
+              <a:buNone/>
+            </a:pPr>
+            <a:r>
+              <a:rPr lang="en" sz="1400">
+                <a:solidFill>
+                  <a:srgbClr val="000000"/>
+                </a:solidFill>
+              </a:rPr>
+              <a:t>Identify supervised learning techniques to predict the date of future total solar and lunar eclipses.</a:t>
+            </a:r>
+            <a:endParaRPr sz="1400">
+              <a:solidFill>
+                <a:srgbClr val="000000"/>
+              </a:solidFill>
+            </a:endParaRPr>
+          </a:p>
+          <a:p>
+            <a:pPr indent="0" lvl="0" marL="0" rtl="0" algn="l">
+              <a:spcBef>
+                <a:spcPts val="1600"/>
+              </a:spcBef>
+              <a:spcAft>
+                <a:spcPts val="0"/>
+              </a:spcAft>
+              <a:buNone/>
+            </a:pPr>
+            <a:r>
+              <a:rPr b="1" lang="en" sz="1400">
+                <a:solidFill>
+                  <a:srgbClr val="000000"/>
+                </a:solidFill>
+              </a:rPr>
+              <a:t>Hypothesis</a:t>
+            </a:r>
+            <a:r>
+              <a:rPr lang="en" sz="1400">
+                <a:solidFill>
+                  <a:srgbClr val="000000"/>
+                </a:solidFill>
+              </a:rPr>
+              <a:t>:</a:t>
+            </a:r>
+            <a:endParaRPr sz="1400">
+              <a:solidFill>
+                <a:srgbClr val="000000"/>
+              </a:solidFill>
+            </a:endParaRPr>
+          </a:p>
+          <a:p>
+            <a:pPr indent="0" lvl="0" marL="0" rtl="0" algn="l">
+              <a:spcBef>
+                <a:spcPts val="1600"/>
+              </a:spcBef>
+              <a:spcAft>
+                <a:spcPts val="0"/>
+              </a:spcAft>
+              <a:buNone/>
+            </a:pPr>
+            <a:r>
+              <a:rPr lang="en" sz="1400">
+                <a:solidFill>
+                  <a:srgbClr val="000000"/>
+                </a:solidFill>
+              </a:rPr>
+              <a:t>It is possible to predict the time and date of the solar and lunar eclipses from the given data leveraging machine learning regression algorithms. </a:t>
+            </a:r>
+            <a:endParaRPr sz="1400">
+              <a:solidFill>
+                <a:srgbClr val="000000"/>
+              </a:solidFill>
+            </a:endParaRPr>
+          </a:p>
+          <a:p>
+            <a:pPr indent="0" lvl="0" marL="0" rtl="0" algn="l">
+              <a:spcBef>
+                <a:spcPts val="1600"/>
+              </a:spcBef>
+              <a:spcAft>
+                <a:spcPts val="1600"/>
+              </a:spcAft>
+              <a:buNone/>
+            </a:pPr>
+            <a:r>
+              <a:t/>
+            </a:r>
+            <a:endParaRPr b="1" sz="1400"/>
+          </a:p>
+        </p:txBody>
+      </p:sp>
+    </p:spTree>
+  </p:cSld>
+  <p:clrMapOvr>
+    <a:masterClrMapping/>
+  </p:clrMapOvr>
+</p:sld>
+</file>
+
+<file path=ppt/slides/slide13.xml><?xml version="1.0" encoding="utf-8"?>
+<p:sld xmlns:a="http://schemas.openxmlformats.org/drawingml/2006/main" xmlns:r="http://schemas.openxmlformats.org/officeDocument/2006/relationships" xmlns:mc="http://schemas.openxmlformats.org/markup-compatibility/2006" xmlns:mv="urn:schemas-microsoft-com:mac:vml" xmlns:p="http://schemas.openxmlformats.org/presentationml/2006/main" xmlns:c="http://schemas.openxmlformats.org/drawingml/2006/chart" xmlns:dgm="http://schemas.openxmlformats.org/drawingml/2006/diagram" xmlns:o="urn:schemas-microsoft-com:office:office" xmlns:v="urn:schemas-microsoft-com:vml" xmlns:pvml="urn:schemas-microsoft-com:office:powerpoint" xmlns:com="http://schemas.openxmlformats.org/drawingml/2006/compatibility" xmlns:p14="http://schemas.microsoft.com/office/powerpoint/2010/main" xmlns:p15="http://schemas.microsoft.com/office/powerpoint/2012/main">
+  <p:cSld>
+    <p:spTree>
+      <p:nvGrpSpPr>
+        <p:cNvPr id="160" name="Shape 160"/>
+        <p:cNvGrpSpPr/>
+        <p:nvPr/>
+      </p:nvGrpSpPr>
+      <p:grpSpPr>
+        <a:xfrm>
+          <a:off x="0" y="0"/>
+          <a:ext cx="0" cy="0"/>
+          <a:chOff x="0" y="0"/>
+          <a:chExt cx="0" cy="0"/>
+        </a:xfrm>
+      </p:grpSpPr>
+      <p:sp>
+        <p:nvSpPr>
+          <p:cNvPr id="161" name="Google Shape;161;p25"/>
+          <p:cNvSpPr txBox="1"/>
+          <p:nvPr>
+            <p:ph type="title"/>
+          </p:nvPr>
+        </p:nvSpPr>
+        <p:spPr>
+          <a:xfrm>
+            <a:off x="727650" y="581325"/>
+            <a:ext cx="7688700" cy="535200"/>
+          </a:xfrm>
+          <a:prstGeom prst="rect">
+            <a:avLst/>
+          </a:prstGeom>
+        </p:spPr>
+        <p:txBody>
+          <a:bodyPr anchorCtr="0" anchor="t" bIns="91425" lIns="91425" spcFirstLastPara="1" rIns="91425" wrap="square" tIns="91425">
+            <a:noAutofit/>
+          </a:bodyPr>
+          <a:lstStyle/>
+          <a:p>
+            <a:pPr indent="0" lvl="0" marL="0" rtl="0" algn="l">
+              <a:spcBef>
+                <a:spcPts val="0"/>
+              </a:spcBef>
+              <a:spcAft>
+                <a:spcPts val="0"/>
+              </a:spcAft>
+              <a:buNone/>
+            </a:pPr>
+            <a:r>
+              <a:rPr lang="en"/>
+              <a:t>Regression Models Tested</a:t>
+            </a:r>
+            <a:endParaRPr/>
+          </a:p>
+        </p:txBody>
+      </p:sp>
+      <p:sp>
+        <p:nvSpPr>
+          <p:cNvPr id="162" name="Google Shape;162;p25"/>
+          <p:cNvSpPr txBox="1"/>
+          <p:nvPr>
+            <p:ph idx="1" type="body"/>
+          </p:nvPr>
+        </p:nvSpPr>
+        <p:spPr>
+          <a:xfrm>
+            <a:off x="729450" y="1332525"/>
+            <a:ext cx="7688700" cy="3451800"/>
+          </a:xfrm>
+          <a:prstGeom prst="rect">
+            <a:avLst/>
+          </a:prstGeom>
+        </p:spPr>
+        <p:txBody>
+          <a:bodyPr anchorCtr="0" anchor="t" bIns="91425" lIns="91425" spcFirstLastPara="1" rIns="91425" wrap="square" tIns="91425">
+            <a:noAutofit/>
+          </a:bodyPr>
+          <a:lstStyle/>
+          <a:p>
+            <a:pPr indent="-342900" lvl="0" marL="457200" rtl="0" algn="l">
+              <a:spcBef>
+                <a:spcPts val="0"/>
+              </a:spcBef>
+              <a:spcAft>
+                <a:spcPts val="0"/>
+              </a:spcAft>
+              <a:buSzPts val="1800"/>
+              <a:buChar char="●"/>
+            </a:pPr>
+            <a:r>
+              <a:rPr b="1" lang="en" sz="1800"/>
+              <a:t>Linear Regression</a:t>
+            </a:r>
+            <a:endParaRPr b="1" sz="1800"/>
+          </a:p>
+          <a:p>
+            <a:pPr indent="-304800" lvl="1" marL="914400" rtl="0" algn="l">
+              <a:spcBef>
+                <a:spcPts val="0"/>
+              </a:spcBef>
+              <a:spcAft>
+                <a:spcPts val="0"/>
+              </a:spcAft>
+              <a:buClr>
+                <a:srgbClr val="000000"/>
+              </a:buClr>
+              <a:buSzPts val="1200"/>
+              <a:buFont typeface="Arial"/>
+              <a:buChar char="○"/>
+            </a:pPr>
+            <a:r>
+              <a:rPr lang="en" sz="1200">
+                <a:solidFill>
+                  <a:srgbClr val="000000"/>
+                </a:solidFill>
+                <a:latin typeface="Arial"/>
+                <a:ea typeface="Arial"/>
+                <a:cs typeface="Arial"/>
+                <a:sym typeface="Arial"/>
+              </a:rPr>
+              <a:t>Model that uses ordinary least squares to minimize the sum of square differences from prediction from true value.</a:t>
+            </a:r>
+            <a:endParaRPr sz="1200">
+              <a:solidFill>
+                <a:srgbClr val="000000"/>
+              </a:solidFill>
+              <a:latin typeface="Arial"/>
+              <a:ea typeface="Arial"/>
+              <a:cs typeface="Arial"/>
+              <a:sym typeface="Arial"/>
+            </a:endParaRPr>
+          </a:p>
+          <a:p>
+            <a:pPr indent="-304800" lvl="1" marL="914400" rtl="0" algn="l">
+              <a:spcBef>
+                <a:spcPts val="0"/>
+              </a:spcBef>
+              <a:spcAft>
+                <a:spcPts val="0"/>
+              </a:spcAft>
+              <a:buClr>
+                <a:srgbClr val="000000"/>
+              </a:buClr>
+              <a:buSzPts val="1200"/>
+              <a:buFont typeface="Arial"/>
+              <a:buChar char="○"/>
+            </a:pPr>
+            <a:r>
+              <a:rPr lang="en" sz="1200">
+                <a:solidFill>
+                  <a:srgbClr val="000000"/>
+                </a:solidFill>
+                <a:latin typeface="Arial"/>
+                <a:ea typeface="Arial"/>
+                <a:cs typeface="Arial"/>
+                <a:sym typeface="Arial"/>
+              </a:rPr>
+              <a:t>The data was split into ordered train and test sets to keep the dates of the data in order.</a:t>
+            </a:r>
+            <a:endParaRPr sz="1200">
+              <a:solidFill>
+                <a:srgbClr val="000000"/>
+              </a:solidFill>
+              <a:latin typeface="Arial"/>
+              <a:ea typeface="Arial"/>
+              <a:cs typeface="Arial"/>
+              <a:sym typeface="Arial"/>
+            </a:endParaRPr>
+          </a:p>
+          <a:p>
+            <a:pPr indent="-304800" lvl="2" marL="1371600" rtl="0" algn="l">
+              <a:spcBef>
+                <a:spcPts val="0"/>
+              </a:spcBef>
+              <a:spcAft>
+                <a:spcPts val="0"/>
+              </a:spcAft>
+              <a:buClr>
+                <a:srgbClr val="000000"/>
+              </a:buClr>
+              <a:buSzPts val="1200"/>
+              <a:buFont typeface="Arial"/>
+              <a:buChar char="■"/>
+            </a:pPr>
+            <a:r>
+              <a:rPr lang="en" sz="1200">
+                <a:solidFill>
+                  <a:srgbClr val="000000"/>
+                </a:solidFill>
+                <a:latin typeface="Arial"/>
+                <a:ea typeface="Arial"/>
+                <a:cs typeface="Arial"/>
+                <a:sym typeface="Arial"/>
+              </a:rPr>
+              <a:t>Train = 0.75 Test = 0.25</a:t>
+            </a:r>
+            <a:endParaRPr sz="1200">
+              <a:solidFill>
+                <a:srgbClr val="000000"/>
+              </a:solidFill>
+              <a:latin typeface="Arial"/>
+              <a:ea typeface="Arial"/>
+              <a:cs typeface="Arial"/>
+              <a:sym typeface="Arial"/>
+            </a:endParaRPr>
+          </a:p>
+          <a:p>
+            <a:pPr indent="-304800" lvl="1" marL="914400" rtl="0" algn="l">
+              <a:spcBef>
+                <a:spcPts val="0"/>
+              </a:spcBef>
+              <a:spcAft>
+                <a:spcPts val="0"/>
+              </a:spcAft>
+              <a:buClr>
+                <a:srgbClr val="000000"/>
+              </a:buClr>
+              <a:buSzPts val="1200"/>
+              <a:buFont typeface="Arial"/>
+              <a:buChar char="○"/>
+            </a:pPr>
+            <a:r>
+              <a:rPr lang="en" sz="1200">
+                <a:solidFill>
+                  <a:srgbClr val="000000"/>
+                </a:solidFill>
+                <a:latin typeface="Arial"/>
+                <a:ea typeface="Arial"/>
+                <a:cs typeface="Arial"/>
+                <a:sym typeface="Arial"/>
+              </a:rPr>
+              <a:t>Fitted the training data to linear regression model and predicted the model on testing data. </a:t>
+            </a:r>
+            <a:endParaRPr sz="1200">
+              <a:solidFill>
+                <a:srgbClr val="000000"/>
+              </a:solidFill>
+              <a:latin typeface="Arial"/>
+              <a:ea typeface="Arial"/>
+              <a:cs typeface="Arial"/>
+              <a:sym typeface="Arial"/>
+            </a:endParaRPr>
+          </a:p>
+          <a:p>
+            <a:pPr indent="0" lvl="0" marL="914400" rtl="0" algn="l">
+              <a:spcBef>
+                <a:spcPts val="0"/>
+              </a:spcBef>
+              <a:spcAft>
+                <a:spcPts val="0"/>
+              </a:spcAft>
+              <a:buNone/>
+            </a:pPr>
+            <a:r>
+              <a:t/>
+            </a:r>
+            <a:endParaRPr sz="1200">
+              <a:solidFill>
+                <a:srgbClr val="000000"/>
+              </a:solidFill>
+              <a:latin typeface="Arial"/>
+              <a:ea typeface="Arial"/>
+              <a:cs typeface="Arial"/>
+              <a:sym typeface="Arial"/>
+            </a:endParaRPr>
+          </a:p>
+          <a:p>
+            <a:pPr indent="-342900" lvl="0" marL="457200" rtl="0" algn="l">
+              <a:spcBef>
+                <a:spcPts val="0"/>
+              </a:spcBef>
+              <a:spcAft>
+                <a:spcPts val="0"/>
+              </a:spcAft>
+              <a:buSzPts val="1800"/>
+              <a:buChar char="●"/>
+            </a:pPr>
+            <a:r>
+              <a:rPr b="1" lang="en" sz="1800"/>
+              <a:t>Ridge Regression</a:t>
+            </a:r>
+            <a:endParaRPr b="1" sz="1800"/>
+          </a:p>
+          <a:p>
+            <a:pPr indent="-304800" lvl="1" marL="914400" rtl="0" algn="l">
+              <a:spcBef>
+                <a:spcPts val="0"/>
+              </a:spcBef>
+              <a:spcAft>
+                <a:spcPts val="0"/>
+              </a:spcAft>
+              <a:buSzPts val="1200"/>
+              <a:buChar char="○"/>
+            </a:pPr>
+            <a:r>
+              <a:rPr lang="en" sz="1200">
+                <a:solidFill>
+                  <a:srgbClr val="000000"/>
+                </a:solidFill>
+                <a:latin typeface="Arial"/>
+                <a:ea typeface="Arial"/>
+                <a:cs typeface="Arial"/>
+                <a:sym typeface="Arial"/>
+              </a:rPr>
+              <a:t>Model similar to linear regression but with a normalization term to reduce overfitting. </a:t>
+            </a:r>
+            <a:endParaRPr sz="1200">
+              <a:solidFill>
+                <a:srgbClr val="000000"/>
+              </a:solidFill>
+              <a:latin typeface="Arial"/>
+              <a:ea typeface="Arial"/>
+              <a:cs typeface="Arial"/>
+              <a:sym typeface="Arial"/>
+            </a:endParaRPr>
+          </a:p>
+          <a:p>
+            <a:pPr indent="-304800" lvl="1" marL="914400" rtl="0" algn="l">
+              <a:spcBef>
+                <a:spcPts val="0"/>
+              </a:spcBef>
+              <a:spcAft>
+                <a:spcPts val="0"/>
+              </a:spcAft>
+              <a:buClr>
+                <a:srgbClr val="000000"/>
+              </a:buClr>
+              <a:buSzPts val="1200"/>
+              <a:buFont typeface="Arial"/>
+              <a:buChar char="○"/>
+            </a:pPr>
+            <a:r>
+              <a:rPr lang="en" sz="1200">
+                <a:solidFill>
+                  <a:srgbClr val="000000"/>
+                </a:solidFill>
+                <a:latin typeface="Arial"/>
+                <a:ea typeface="Arial"/>
+                <a:cs typeface="Arial"/>
+                <a:sym typeface="Arial"/>
+              </a:rPr>
+              <a:t>The data was split into ordered train and test sets to keep the dates of the data in order.</a:t>
+            </a:r>
+            <a:endParaRPr sz="1200">
+              <a:solidFill>
+                <a:srgbClr val="000000"/>
+              </a:solidFill>
+              <a:latin typeface="Arial"/>
+              <a:ea typeface="Arial"/>
+              <a:cs typeface="Arial"/>
+              <a:sym typeface="Arial"/>
+            </a:endParaRPr>
+          </a:p>
+          <a:p>
+            <a:pPr indent="-304800" lvl="2" marL="1371600" rtl="0" algn="l">
+              <a:spcBef>
+                <a:spcPts val="0"/>
+              </a:spcBef>
+              <a:spcAft>
+                <a:spcPts val="0"/>
+              </a:spcAft>
+              <a:buClr>
+                <a:srgbClr val="000000"/>
+              </a:buClr>
+              <a:buSzPts val="1200"/>
+              <a:buFont typeface="Arial"/>
+              <a:buChar char="■"/>
+            </a:pPr>
+            <a:r>
+              <a:rPr lang="en" sz="1200">
+                <a:solidFill>
+                  <a:srgbClr val="000000"/>
+                </a:solidFill>
+                <a:latin typeface="Arial"/>
+                <a:ea typeface="Arial"/>
+                <a:cs typeface="Arial"/>
+                <a:sym typeface="Arial"/>
+              </a:rPr>
+              <a:t>Train = 0.75 Test = 0.25</a:t>
+            </a:r>
+            <a:endParaRPr sz="1200">
+              <a:solidFill>
+                <a:srgbClr val="000000"/>
+              </a:solidFill>
+              <a:latin typeface="Arial"/>
+              <a:ea typeface="Arial"/>
+              <a:cs typeface="Arial"/>
+              <a:sym typeface="Arial"/>
+            </a:endParaRPr>
+          </a:p>
+          <a:p>
+            <a:pPr indent="-304800" lvl="1" marL="914400" rtl="0" algn="l">
+              <a:spcBef>
+                <a:spcPts val="0"/>
+              </a:spcBef>
+              <a:spcAft>
+                <a:spcPts val="0"/>
+              </a:spcAft>
+              <a:buClr>
+                <a:srgbClr val="000000"/>
+              </a:buClr>
+              <a:buSzPts val="1200"/>
+              <a:buFont typeface="Arial"/>
+              <a:buChar char="○"/>
+            </a:pPr>
+            <a:r>
+              <a:rPr lang="en" sz="1200">
+                <a:solidFill>
+                  <a:srgbClr val="000000"/>
+                </a:solidFill>
+                <a:latin typeface="Arial"/>
+                <a:ea typeface="Arial"/>
+                <a:cs typeface="Arial"/>
+                <a:sym typeface="Arial"/>
+              </a:rPr>
+              <a:t>Performed GridSearchCV to find the best alpha parameter for the model and cross validation of 5.</a:t>
+            </a:r>
+            <a:endParaRPr sz="1200">
+              <a:solidFill>
+                <a:srgbClr val="000000"/>
+              </a:solidFill>
+              <a:latin typeface="Arial"/>
+              <a:ea typeface="Arial"/>
+              <a:cs typeface="Arial"/>
+              <a:sym typeface="Arial"/>
+            </a:endParaRPr>
+          </a:p>
+          <a:p>
+            <a:pPr indent="-304800" lvl="1" marL="914400" rtl="0" algn="l">
+              <a:spcBef>
+                <a:spcPts val="0"/>
+              </a:spcBef>
+              <a:spcAft>
+                <a:spcPts val="0"/>
+              </a:spcAft>
+              <a:buClr>
+                <a:srgbClr val="000000"/>
+              </a:buClr>
+              <a:buSzPts val="1200"/>
+              <a:buFont typeface="Arial"/>
+              <a:buChar char="○"/>
+            </a:pPr>
+            <a:r>
+              <a:rPr lang="en" sz="1200">
+                <a:solidFill>
+                  <a:srgbClr val="000000"/>
+                </a:solidFill>
+                <a:latin typeface="Arial"/>
+                <a:ea typeface="Arial"/>
+                <a:cs typeface="Arial"/>
+                <a:sym typeface="Arial"/>
+              </a:rPr>
+              <a:t>Plotted the alphas vs the cross validation of 10 scores for each alpha for visual analysis.</a:t>
+            </a:r>
+            <a:endParaRPr sz="1200">
+              <a:solidFill>
+                <a:srgbClr val="000000"/>
+              </a:solidFill>
+              <a:latin typeface="Arial"/>
+              <a:ea typeface="Arial"/>
+              <a:cs typeface="Arial"/>
+              <a:sym typeface="Arial"/>
+            </a:endParaRPr>
+          </a:p>
+          <a:p>
+            <a:pPr indent="-304800" lvl="1" marL="914400" rtl="0" algn="l">
+              <a:spcBef>
+                <a:spcPts val="0"/>
+              </a:spcBef>
+              <a:spcAft>
+                <a:spcPts val="0"/>
+              </a:spcAft>
+              <a:buClr>
+                <a:srgbClr val="000000"/>
+              </a:buClr>
+              <a:buSzPts val="1200"/>
+              <a:buFont typeface="Arial"/>
+              <a:buChar char="○"/>
+            </a:pPr>
+            <a:r>
+              <a:rPr lang="en" sz="1200">
+                <a:solidFill>
+                  <a:srgbClr val="000000"/>
+                </a:solidFill>
+                <a:latin typeface="Arial"/>
+                <a:ea typeface="Arial"/>
+                <a:cs typeface="Arial"/>
+                <a:sym typeface="Arial"/>
+              </a:rPr>
+              <a:t>Fitted the training data to ridge regression model and predicted the model on testing data. </a:t>
+            </a:r>
+            <a:endParaRPr sz="1200">
+              <a:solidFill>
+                <a:srgbClr val="000000"/>
+              </a:solidFill>
+              <a:latin typeface="Arial"/>
+              <a:ea typeface="Arial"/>
+              <a:cs typeface="Arial"/>
+              <a:sym typeface="Arial"/>
+            </a:endParaRPr>
+          </a:p>
+          <a:p>
+            <a:pPr indent="0" lvl="0" marL="0" rtl="0" algn="l">
+              <a:spcBef>
+                <a:spcPts val="0"/>
+              </a:spcBef>
+              <a:spcAft>
+                <a:spcPts val="0"/>
+              </a:spcAft>
+              <a:buNone/>
+            </a:pPr>
+            <a:r>
+              <a:t/>
+            </a:r>
+            <a:endParaRPr b="1" sz="1800"/>
+          </a:p>
+        </p:txBody>
+      </p:sp>
+    </p:spTree>
+  </p:cSld>
+  <p:clrMapOvr>
+    <a:masterClrMapping/>
+  </p:clrMapOvr>
+</p:sld>
+</file>
+
+<file path=ppt/slides/slide14.xml><?xml version="1.0" encoding="utf-8"?>
+<p:sld xmlns:a="http://schemas.openxmlformats.org/drawingml/2006/main" xmlns:r="http://schemas.openxmlformats.org/officeDocument/2006/relationships" xmlns:mc="http://schemas.openxmlformats.org/markup-compatibility/2006" xmlns:mv="urn:schemas-microsoft-com:mac:vml" xmlns:p="http://schemas.openxmlformats.org/presentationml/2006/main" xmlns:c="http://schemas.openxmlformats.org/drawingml/2006/chart" xmlns:dgm="http://schemas.openxmlformats.org/drawingml/2006/diagram" xmlns:o="urn:schemas-microsoft-com:office:office" xmlns:v="urn:schemas-microsoft-com:vml" xmlns:pvml="urn:schemas-microsoft-com:office:powerpoint" xmlns:com="http://schemas.openxmlformats.org/drawingml/2006/compatibility" xmlns:p14="http://schemas.microsoft.com/office/powerpoint/2010/main" xmlns:p15="http://schemas.microsoft.com/office/powerpoint/2012/main">
+  <p:cSld>
+    <p:spTree>
+      <p:nvGrpSpPr>
+        <p:cNvPr id="166" name="Shape 166"/>
+        <p:cNvGrpSpPr/>
+        <p:nvPr/>
+      </p:nvGrpSpPr>
+      <p:grpSpPr>
+        <a:xfrm>
+          <a:off x="0" y="0"/>
+          <a:ext cx="0" cy="0"/>
+          <a:chOff x="0" y="0"/>
+          <a:chExt cx="0" cy="0"/>
+        </a:xfrm>
+      </p:grpSpPr>
+      <p:sp>
+        <p:nvSpPr>
+          <p:cNvPr id="167" name="Google Shape;167;p26"/>
+          <p:cNvSpPr txBox="1"/>
+          <p:nvPr>
+            <p:ph type="title"/>
+          </p:nvPr>
+        </p:nvSpPr>
+        <p:spPr>
+          <a:xfrm>
+            <a:off x="649500" y="545775"/>
+            <a:ext cx="7688700" cy="535200"/>
+          </a:xfrm>
+          <a:prstGeom prst="rect">
+            <a:avLst/>
+          </a:prstGeom>
+        </p:spPr>
+        <p:txBody>
+          <a:bodyPr anchorCtr="0" anchor="t" bIns="91425" lIns="91425" spcFirstLastPara="1" rIns="91425" wrap="square" tIns="91425">
+            <a:noAutofit/>
+          </a:bodyPr>
+          <a:lstStyle/>
+          <a:p>
+            <a:pPr indent="0" lvl="0" marL="0" rtl="0" algn="l">
+              <a:spcBef>
+                <a:spcPts val="0"/>
+              </a:spcBef>
+              <a:spcAft>
+                <a:spcPts val="0"/>
+              </a:spcAft>
+              <a:buNone/>
+            </a:pPr>
+            <a:r>
+              <a:rPr lang="en"/>
+              <a:t>Regression Models Tested</a:t>
+            </a:r>
+            <a:endParaRPr/>
+          </a:p>
+          <a:p>
+            <a:pPr indent="0" lvl="0" marL="0" rtl="0" algn="l">
+              <a:spcBef>
+                <a:spcPts val="0"/>
+              </a:spcBef>
+              <a:spcAft>
+                <a:spcPts val="0"/>
+              </a:spcAft>
+              <a:buNone/>
+            </a:pPr>
+            <a:r>
+              <a:t/>
+            </a:r>
+            <a:endParaRPr/>
+          </a:p>
+        </p:txBody>
+      </p:sp>
+      <p:sp>
+        <p:nvSpPr>
+          <p:cNvPr id="168" name="Google Shape;168;p26"/>
+          <p:cNvSpPr txBox="1"/>
+          <p:nvPr>
+            <p:ph idx="1" type="body"/>
+          </p:nvPr>
+        </p:nvSpPr>
+        <p:spPr>
+          <a:xfrm>
+            <a:off x="727650" y="1301975"/>
+            <a:ext cx="7688700" cy="3713400"/>
+          </a:xfrm>
+          <a:prstGeom prst="rect">
+            <a:avLst/>
+          </a:prstGeom>
+        </p:spPr>
+        <p:txBody>
+          <a:bodyPr anchorCtr="0" anchor="t" bIns="91425" lIns="91425" spcFirstLastPara="1" rIns="91425" wrap="square" tIns="91425">
+            <a:noAutofit/>
+          </a:bodyPr>
+          <a:lstStyle/>
+          <a:p>
+            <a:pPr indent="-342900" lvl="0" marL="457200" rtl="0" algn="l">
+              <a:spcBef>
+                <a:spcPts val="0"/>
+              </a:spcBef>
+              <a:spcAft>
+                <a:spcPts val="0"/>
+              </a:spcAft>
+              <a:buSzPts val="1800"/>
+              <a:buChar char="●"/>
+            </a:pPr>
+            <a:r>
+              <a:rPr b="1" lang="en" sz="1800"/>
+              <a:t>Lasso Regression</a:t>
+            </a:r>
+            <a:endParaRPr b="1" sz="1800"/>
+          </a:p>
+          <a:p>
+            <a:pPr indent="-304800" lvl="1" marL="914400" rtl="0" algn="l">
+              <a:spcBef>
+                <a:spcPts val="0"/>
+              </a:spcBef>
+              <a:spcAft>
+                <a:spcPts val="0"/>
+              </a:spcAft>
+              <a:buClr>
+                <a:srgbClr val="000000"/>
+              </a:buClr>
+              <a:buSzPts val="1200"/>
+              <a:buFont typeface="Arial"/>
+              <a:buChar char="○"/>
+            </a:pPr>
+            <a:r>
+              <a:rPr lang="en" sz="1200">
+                <a:solidFill>
+                  <a:srgbClr val="000000"/>
+                </a:solidFill>
+                <a:latin typeface="Arial"/>
+                <a:ea typeface="Arial"/>
+                <a:cs typeface="Arial"/>
+                <a:sym typeface="Arial"/>
+              </a:rPr>
+              <a:t>Model similar to ridge regression but uses absolute values instead of squares to penalize regression coefficients from becoming too large. </a:t>
+            </a:r>
+            <a:endParaRPr sz="1200">
+              <a:solidFill>
+                <a:srgbClr val="000000"/>
+              </a:solidFill>
+              <a:latin typeface="Arial"/>
+              <a:ea typeface="Arial"/>
+              <a:cs typeface="Arial"/>
+              <a:sym typeface="Arial"/>
+            </a:endParaRPr>
+          </a:p>
+          <a:p>
+            <a:pPr indent="-304800" lvl="1" marL="914400" rtl="0" algn="l">
+              <a:spcBef>
+                <a:spcPts val="0"/>
+              </a:spcBef>
+              <a:spcAft>
+                <a:spcPts val="0"/>
+              </a:spcAft>
+              <a:buClr>
+                <a:srgbClr val="000000"/>
+              </a:buClr>
+              <a:buSzPts val="1200"/>
+              <a:buFont typeface="Arial"/>
+              <a:buChar char="○"/>
+            </a:pPr>
+            <a:r>
+              <a:rPr lang="en" sz="1200">
+                <a:solidFill>
+                  <a:srgbClr val="000000"/>
+                </a:solidFill>
+                <a:latin typeface="Arial"/>
+                <a:ea typeface="Arial"/>
+                <a:cs typeface="Arial"/>
+                <a:sym typeface="Arial"/>
+              </a:rPr>
+              <a:t>The data was split into ordered train and test sets to keep the dates of the data in order.</a:t>
+            </a:r>
+            <a:endParaRPr sz="1200">
+              <a:solidFill>
+                <a:srgbClr val="000000"/>
+              </a:solidFill>
+              <a:latin typeface="Arial"/>
+              <a:ea typeface="Arial"/>
+              <a:cs typeface="Arial"/>
+              <a:sym typeface="Arial"/>
+            </a:endParaRPr>
+          </a:p>
+          <a:p>
+            <a:pPr indent="-304800" lvl="2" marL="1371600" rtl="0" algn="l">
+              <a:spcBef>
+                <a:spcPts val="0"/>
+              </a:spcBef>
+              <a:spcAft>
+                <a:spcPts val="0"/>
+              </a:spcAft>
+              <a:buClr>
+                <a:srgbClr val="000000"/>
+              </a:buClr>
+              <a:buSzPts val="1200"/>
+              <a:buFont typeface="Arial"/>
+              <a:buChar char="■"/>
+            </a:pPr>
+            <a:r>
+              <a:rPr lang="en" sz="1200">
+                <a:solidFill>
+                  <a:srgbClr val="000000"/>
+                </a:solidFill>
+                <a:latin typeface="Arial"/>
+                <a:ea typeface="Arial"/>
+                <a:cs typeface="Arial"/>
+                <a:sym typeface="Arial"/>
+              </a:rPr>
+              <a:t>Train = 0.75 Test = 0.25</a:t>
+            </a:r>
+            <a:endParaRPr sz="1200">
+              <a:solidFill>
+                <a:srgbClr val="000000"/>
+              </a:solidFill>
+              <a:latin typeface="Arial"/>
+              <a:ea typeface="Arial"/>
+              <a:cs typeface="Arial"/>
+              <a:sym typeface="Arial"/>
+            </a:endParaRPr>
+          </a:p>
+          <a:p>
+            <a:pPr indent="-304800" lvl="1" marL="914400" rtl="0" algn="l">
+              <a:spcBef>
+                <a:spcPts val="0"/>
+              </a:spcBef>
+              <a:spcAft>
+                <a:spcPts val="0"/>
+              </a:spcAft>
+              <a:buClr>
+                <a:srgbClr val="000000"/>
+              </a:buClr>
+              <a:buSzPts val="1200"/>
+              <a:buFont typeface="Arial"/>
+              <a:buChar char="○"/>
+            </a:pPr>
+            <a:r>
+              <a:rPr lang="en" sz="1200">
+                <a:solidFill>
+                  <a:srgbClr val="000000"/>
+                </a:solidFill>
+                <a:latin typeface="Arial"/>
+                <a:ea typeface="Arial"/>
+                <a:cs typeface="Arial"/>
+                <a:sym typeface="Arial"/>
+              </a:rPr>
+              <a:t>Performed GridSearchCV to find the best alpha parameter for the model and cross validation of 5.</a:t>
+            </a:r>
+            <a:endParaRPr sz="1200">
+              <a:solidFill>
+                <a:srgbClr val="000000"/>
+              </a:solidFill>
+              <a:latin typeface="Arial"/>
+              <a:ea typeface="Arial"/>
+              <a:cs typeface="Arial"/>
+              <a:sym typeface="Arial"/>
+            </a:endParaRPr>
+          </a:p>
+          <a:p>
+            <a:pPr indent="-304800" lvl="1" marL="914400" rtl="0" algn="l">
+              <a:spcBef>
+                <a:spcPts val="0"/>
+              </a:spcBef>
+              <a:spcAft>
+                <a:spcPts val="0"/>
+              </a:spcAft>
+              <a:buClr>
+                <a:srgbClr val="000000"/>
+              </a:buClr>
+              <a:buSzPts val="1200"/>
+              <a:buFont typeface="Arial"/>
+              <a:buChar char="○"/>
+            </a:pPr>
+            <a:r>
+              <a:rPr lang="en" sz="1200">
+                <a:solidFill>
+                  <a:srgbClr val="000000"/>
+                </a:solidFill>
+                <a:latin typeface="Arial"/>
+                <a:ea typeface="Arial"/>
+                <a:cs typeface="Arial"/>
+                <a:sym typeface="Arial"/>
+              </a:rPr>
+              <a:t>Plotted the alphas vs the cross validation of 10 scores for each alpha for visual analysis.</a:t>
+            </a:r>
+            <a:endParaRPr sz="1200">
+              <a:solidFill>
+                <a:srgbClr val="000000"/>
+              </a:solidFill>
+              <a:latin typeface="Arial"/>
+              <a:ea typeface="Arial"/>
+              <a:cs typeface="Arial"/>
+              <a:sym typeface="Arial"/>
+            </a:endParaRPr>
+          </a:p>
+          <a:p>
+            <a:pPr indent="-304800" lvl="1" marL="914400" rtl="0" algn="l">
+              <a:spcBef>
+                <a:spcPts val="0"/>
+              </a:spcBef>
+              <a:spcAft>
+                <a:spcPts val="0"/>
+              </a:spcAft>
+              <a:buClr>
+                <a:srgbClr val="000000"/>
+              </a:buClr>
+              <a:buSzPts val="1200"/>
+              <a:buFont typeface="Arial"/>
+              <a:buChar char="○"/>
+            </a:pPr>
+            <a:r>
+              <a:rPr lang="en" sz="1200">
+                <a:solidFill>
+                  <a:srgbClr val="000000"/>
+                </a:solidFill>
+                <a:latin typeface="Arial"/>
+                <a:ea typeface="Arial"/>
+                <a:cs typeface="Arial"/>
+                <a:sym typeface="Arial"/>
+              </a:rPr>
+              <a:t>Fitted the training data to lasso regression model and predicted the model on testing data. </a:t>
+            </a:r>
+            <a:endParaRPr sz="1200">
+              <a:solidFill>
+                <a:srgbClr val="000000"/>
+              </a:solidFill>
+              <a:latin typeface="Arial"/>
+              <a:ea typeface="Arial"/>
+              <a:cs typeface="Arial"/>
+              <a:sym typeface="Arial"/>
+            </a:endParaRPr>
+          </a:p>
+          <a:p>
+            <a:pPr indent="0" lvl="0" marL="914400" rtl="0" algn="l">
+              <a:spcBef>
+                <a:spcPts val="0"/>
+              </a:spcBef>
+              <a:spcAft>
+                <a:spcPts val="0"/>
+              </a:spcAft>
+              <a:buNone/>
+            </a:pPr>
+            <a:r>
+              <a:t/>
+            </a:r>
+            <a:endParaRPr sz="1200">
+              <a:solidFill>
+                <a:srgbClr val="000000"/>
+              </a:solidFill>
+              <a:latin typeface="Arial"/>
+              <a:ea typeface="Arial"/>
+              <a:cs typeface="Arial"/>
+              <a:sym typeface="Arial"/>
+            </a:endParaRPr>
+          </a:p>
+          <a:p>
+            <a:pPr indent="-342900" lvl="0" marL="457200" rtl="0" algn="l">
+              <a:spcBef>
+                <a:spcPts val="0"/>
+              </a:spcBef>
+              <a:spcAft>
+                <a:spcPts val="0"/>
+              </a:spcAft>
+              <a:buSzPts val="1800"/>
+              <a:buChar char="●"/>
+            </a:pPr>
+            <a:r>
+              <a:rPr b="1" lang="en" sz="1800"/>
+              <a:t>Polynomial Linear Regression</a:t>
+            </a:r>
+            <a:endParaRPr b="1" sz="1800"/>
+          </a:p>
+          <a:p>
+            <a:pPr indent="-304800" lvl="1" marL="914400" rtl="0" algn="l">
+              <a:spcBef>
+                <a:spcPts val="0"/>
+              </a:spcBef>
+              <a:spcAft>
+                <a:spcPts val="0"/>
+              </a:spcAft>
+              <a:buSzPts val="1200"/>
+              <a:buChar char="○"/>
+            </a:pPr>
+            <a:r>
+              <a:rPr lang="en" sz="1200">
+                <a:solidFill>
+                  <a:srgbClr val="000000"/>
+                </a:solidFill>
+                <a:latin typeface="Arial"/>
+                <a:ea typeface="Arial"/>
+                <a:cs typeface="Arial"/>
+                <a:sym typeface="Arial"/>
+              </a:rPr>
+              <a:t>Model similar to linear regression but y is modelled using an nth degree polynomial for x instead.</a:t>
+            </a:r>
+            <a:endParaRPr sz="1200">
+              <a:solidFill>
+                <a:srgbClr val="000000"/>
+              </a:solidFill>
+              <a:latin typeface="Arial"/>
+              <a:ea typeface="Arial"/>
+              <a:cs typeface="Arial"/>
+              <a:sym typeface="Arial"/>
+            </a:endParaRPr>
+          </a:p>
+          <a:p>
+            <a:pPr indent="-304800" lvl="1" marL="914400" rtl="0" algn="l">
+              <a:spcBef>
+                <a:spcPts val="0"/>
+              </a:spcBef>
+              <a:spcAft>
+                <a:spcPts val="0"/>
+              </a:spcAft>
+              <a:buClr>
+                <a:srgbClr val="000000"/>
+              </a:buClr>
+              <a:buSzPts val="1200"/>
+              <a:buFont typeface="Arial"/>
+              <a:buChar char="○"/>
+            </a:pPr>
+            <a:r>
+              <a:rPr lang="en" sz="1200">
+                <a:solidFill>
+                  <a:srgbClr val="000000"/>
+                </a:solidFill>
+                <a:latin typeface="Arial"/>
+                <a:ea typeface="Arial"/>
+                <a:cs typeface="Arial"/>
+                <a:sym typeface="Arial"/>
+              </a:rPr>
+              <a:t>The data was split into ordered train and test sets to keep the dates of the data in order.</a:t>
+            </a:r>
+            <a:endParaRPr sz="1200">
+              <a:solidFill>
+                <a:srgbClr val="000000"/>
+              </a:solidFill>
+              <a:latin typeface="Arial"/>
+              <a:ea typeface="Arial"/>
+              <a:cs typeface="Arial"/>
+              <a:sym typeface="Arial"/>
+            </a:endParaRPr>
+          </a:p>
+          <a:p>
+            <a:pPr indent="-304800" lvl="2" marL="1371600" rtl="0" algn="l">
+              <a:spcBef>
+                <a:spcPts val="0"/>
+              </a:spcBef>
+              <a:spcAft>
+                <a:spcPts val="0"/>
+              </a:spcAft>
+              <a:buClr>
+                <a:srgbClr val="000000"/>
+              </a:buClr>
+              <a:buSzPts val="1200"/>
+              <a:buFont typeface="Arial"/>
+              <a:buChar char="■"/>
+            </a:pPr>
+            <a:r>
+              <a:rPr lang="en" sz="1200">
+                <a:solidFill>
+                  <a:srgbClr val="000000"/>
+                </a:solidFill>
+                <a:latin typeface="Arial"/>
+                <a:ea typeface="Arial"/>
+                <a:cs typeface="Arial"/>
+                <a:sym typeface="Arial"/>
+              </a:rPr>
+              <a:t>Train = 0.75 Test = 0.25</a:t>
+            </a:r>
+            <a:endParaRPr sz="1200">
+              <a:solidFill>
+                <a:srgbClr val="000000"/>
+              </a:solidFill>
+              <a:latin typeface="Arial"/>
+              <a:ea typeface="Arial"/>
+              <a:cs typeface="Arial"/>
+              <a:sym typeface="Arial"/>
+            </a:endParaRPr>
+          </a:p>
+          <a:p>
+            <a:pPr indent="-304800" lvl="1" marL="914400" rtl="0" algn="l">
+              <a:spcBef>
+                <a:spcPts val="0"/>
+              </a:spcBef>
+              <a:spcAft>
+                <a:spcPts val="0"/>
+              </a:spcAft>
+              <a:buClr>
+                <a:srgbClr val="000000"/>
+              </a:buClr>
+              <a:buSzPts val="1200"/>
+              <a:buFont typeface="Arial"/>
+              <a:buChar char="○"/>
+            </a:pPr>
+            <a:r>
+              <a:rPr lang="en" sz="1200">
+                <a:solidFill>
+                  <a:srgbClr val="000000"/>
+                </a:solidFill>
+                <a:latin typeface="Arial"/>
+                <a:ea typeface="Arial"/>
+                <a:cs typeface="Arial"/>
+                <a:sym typeface="Arial"/>
+              </a:rPr>
+              <a:t>Performed a manual gridsearch to test for the best degree parameter for the Polynomial Features. Best degree = 4</a:t>
+            </a:r>
+            <a:endParaRPr sz="1200">
+              <a:solidFill>
+                <a:srgbClr val="000000"/>
+              </a:solidFill>
+              <a:latin typeface="Arial"/>
+              <a:ea typeface="Arial"/>
+              <a:cs typeface="Arial"/>
+              <a:sym typeface="Arial"/>
+            </a:endParaRPr>
+          </a:p>
+          <a:p>
+            <a:pPr indent="-304800" lvl="1" marL="914400" rtl="0" algn="l">
+              <a:spcBef>
+                <a:spcPts val="0"/>
+              </a:spcBef>
+              <a:spcAft>
+                <a:spcPts val="0"/>
+              </a:spcAft>
+              <a:buClr>
+                <a:srgbClr val="000000"/>
+              </a:buClr>
+              <a:buSzPts val="1200"/>
+              <a:buFont typeface="Arial"/>
+              <a:buChar char="○"/>
+            </a:pPr>
+            <a:r>
+              <a:rPr lang="en" sz="1200">
+                <a:solidFill>
+                  <a:srgbClr val="000000"/>
+                </a:solidFill>
+                <a:latin typeface="Arial"/>
+                <a:ea typeface="Arial"/>
+                <a:cs typeface="Arial"/>
+                <a:sym typeface="Arial"/>
+              </a:rPr>
+              <a:t>Fitted the training data to polynomial regression model and predicted the model on testing data. </a:t>
+            </a:r>
+            <a:endParaRPr sz="1200">
+              <a:solidFill>
+                <a:srgbClr val="000000"/>
+              </a:solidFill>
+              <a:latin typeface="Arial"/>
+              <a:ea typeface="Arial"/>
+              <a:cs typeface="Arial"/>
+              <a:sym typeface="Arial"/>
+            </a:endParaRPr>
+          </a:p>
+          <a:p>
+            <a:pPr indent="0" lvl="0" marL="0" rtl="0" algn="l">
+              <a:spcBef>
+                <a:spcPts val="0"/>
+              </a:spcBef>
+              <a:spcAft>
+                <a:spcPts val="0"/>
+              </a:spcAft>
+              <a:buNone/>
+            </a:pPr>
+            <a:r>
+              <a:t/>
+            </a:r>
+            <a:endParaRPr sz="1200">
+              <a:solidFill>
+                <a:srgbClr val="000000"/>
+              </a:solidFill>
+              <a:latin typeface="Arial"/>
+              <a:ea typeface="Arial"/>
+              <a:cs typeface="Arial"/>
+              <a:sym typeface="Arial"/>
+            </a:endParaRPr>
+          </a:p>
+        </p:txBody>
+      </p:sp>
+    </p:spTree>
+  </p:cSld>
+  <p:clrMapOvr>
+    <a:masterClrMapping/>
+  </p:clrMapOvr>
+</p:sld>
+</file>
+
+<file path=ppt/slides/slide15.xml><?xml version="1.0" encoding="utf-8"?>
+<p:sld xmlns:a="http://schemas.openxmlformats.org/drawingml/2006/main" xmlns:r="http://schemas.openxmlformats.org/officeDocument/2006/relationships" xmlns:mc="http://schemas.openxmlformats.org/markup-compatibility/2006" xmlns:mv="urn:schemas-microsoft-com:mac:vml" xmlns:p="http://schemas.openxmlformats.org/presentationml/2006/main" xmlns:c="http://schemas.openxmlformats.org/drawingml/2006/chart" xmlns:dgm="http://schemas.openxmlformats.org/drawingml/2006/diagram" xmlns:o="urn:schemas-microsoft-com:office:office" xmlns:v="urn:schemas-microsoft-com:vml" xmlns:pvml="urn:schemas-microsoft-com:office:powerpoint" xmlns:com="http://schemas.openxmlformats.org/drawingml/2006/compatibility" xmlns:p14="http://schemas.microsoft.com/office/powerpoint/2010/main" xmlns:p15="http://schemas.microsoft.com/office/powerpoint/2012/main">
+  <p:cSld>
+    <p:spTree>
+      <p:nvGrpSpPr>
+        <p:cNvPr id="172" name="Shape 172"/>
+        <p:cNvGrpSpPr/>
+        <p:nvPr/>
+      </p:nvGrpSpPr>
+      <p:grpSpPr>
+        <a:xfrm>
+          <a:off x="0" y="0"/>
+          <a:ext cx="0" cy="0"/>
+          <a:chOff x="0" y="0"/>
+          <a:chExt cx="0" cy="0"/>
+        </a:xfrm>
+      </p:grpSpPr>
+      <p:sp>
+        <p:nvSpPr>
+          <p:cNvPr id="173" name="Google Shape;173;p27"/>
+          <p:cNvSpPr txBox="1"/>
+          <p:nvPr>
+            <p:ph idx="1" type="body"/>
+          </p:nvPr>
+        </p:nvSpPr>
+        <p:spPr>
+          <a:xfrm>
+            <a:off x="727650" y="1341550"/>
+            <a:ext cx="7688700" cy="2261100"/>
+          </a:xfrm>
+          <a:prstGeom prst="rect">
+            <a:avLst/>
+          </a:prstGeom>
+        </p:spPr>
+        <p:txBody>
+          <a:bodyPr anchorCtr="0" anchor="t" bIns="91425" lIns="91425" spcFirstLastPara="1" rIns="91425" wrap="square" tIns="91425">
+            <a:noAutofit/>
+          </a:bodyPr>
+          <a:lstStyle/>
+          <a:p>
+            <a:pPr indent="-342900" lvl="0" marL="457200" rtl="0" algn="l">
+              <a:spcBef>
+                <a:spcPts val="0"/>
+              </a:spcBef>
+              <a:spcAft>
+                <a:spcPts val="0"/>
+              </a:spcAft>
+              <a:buSzPts val="1800"/>
+              <a:buChar char="●"/>
+            </a:pPr>
+            <a:r>
+              <a:rPr b="1" lang="en" sz="1800"/>
+              <a:t>Bayesian</a:t>
+            </a:r>
+            <a:r>
+              <a:rPr b="1" lang="en" sz="1800"/>
+              <a:t> Linear Regression</a:t>
+            </a:r>
+            <a:endParaRPr b="1" sz="1800"/>
+          </a:p>
+          <a:p>
+            <a:pPr indent="-304800" lvl="1" marL="914400" rtl="0" algn="l">
+              <a:spcBef>
+                <a:spcPts val="0"/>
+              </a:spcBef>
+              <a:spcAft>
+                <a:spcPts val="0"/>
+              </a:spcAft>
+              <a:buSzPts val="1200"/>
+              <a:buChar char="○"/>
+            </a:pPr>
+            <a:r>
+              <a:rPr lang="en" sz="1200">
+                <a:solidFill>
+                  <a:srgbClr val="000000"/>
+                </a:solidFill>
+                <a:latin typeface="Arial"/>
+                <a:ea typeface="Arial"/>
+                <a:cs typeface="Arial"/>
+                <a:sym typeface="Arial"/>
+              </a:rPr>
+              <a:t>Model similar to linear regression but the model is made with probabilities rather than point estimates.</a:t>
+            </a:r>
+            <a:endParaRPr sz="1200">
+              <a:solidFill>
+                <a:srgbClr val="000000"/>
+              </a:solidFill>
+              <a:latin typeface="Arial"/>
+              <a:ea typeface="Arial"/>
+              <a:cs typeface="Arial"/>
+              <a:sym typeface="Arial"/>
+            </a:endParaRPr>
+          </a:p>
+          <a:p>
+            <a:pPr indent="-304800" lvl="1" marL="914400" rtl="0" algn="l">
+              <a:spcBef>
+                <a:spcPts val="0"/>
+              </a:spcBef>
+              <a:spcAft>
+                <a:spcPts val="0"/>
+              </a:spcAft>
+              <a:buClr>
+                <a:srgbClr val="000000"/>
+              </a:buClr>
+              <a:buSzPts val="1200"/>
+              <a:buFont typeface="Arial"/>
+              <a:buChar char="○"/>
+            </a:pPr>
+            <a:r>
+              <a:rPr lang="en" sz="1200">
+                <a:solidFill>
+                  <a:srgbClr val="000000"/>
+                </a:solidFill>
+                <a:latin typeface="Arial"/>
+                <a:ea typeface="Arial"/>
+                <a:cs typeface="Arial"/>
+                <a:sym typeface="Arial"/>
+              </a:rPr>
+              <a:t>Performed GridSearchCV to find the best alpha and lambda parameters for the model with cross validation of 5.</a:t>
+            </a:r>
+            <a:endParaRPr sz="1200">
+              <a:solidFill>
+                <a:srgbClr val="000000"/>
+              </a:solidFill>
+              <a:latin typeface="Arial"/>
+              <a:ea typeface="Arial"/>
+              <a:cs typeface="Arial"/>
+              <a:sym typeface="Arial"/>
+            </a:endParaRPr>
+          </a:p>
+          <a:p>
+            <a:pPr indent="-304800" lvl="1" marL="914400" rtl="0" algn="l">
+              <a:spcBef>
+                <a:spcPts val="0"/>
+              </a:spcBef>
+              <a:spcAft>
+                <a:spcPts val="0"/>
+              </a:spcAft>
+              <a:buClr>
+                <a:srgbClr val="000000"/>
+              </a:buClr>
+              <a:buSzPts val="1200"/>
+              <a:buFont typeface="Arial"/>
+              <a:buChar char="○"/>
+            </a:pPr>
+            <a:r>
+              <a:rPr lang="en" sz="1200">
+                <a:solidFill>
+                  <a:srgbClr val="000000"/>
+                </a:solidFill>
+                <a:latin typeface="Arial"/>
+                <a:ea typeface="Arial"/>
+                <a:cs typeface="Arial"/>
+                <a:sym typeface="Arial"/>
+              </a:rPr>
+              <a:t>Fitted the training data to bayesian regression model and predicted the model on testing data. </a:t>
+            </a:r>
+            <a:endParaRPr sz="1200">
+              <a:solidFill>
+                <a:srgbClr val="000000"/>
+              </a:solidFill>
+              <a:latin typeface="Arial"/>
+              <a:ea typeface="Arial"/>
+              <a:cs typeface="Arial"/>
+              <a:sym typeface="Arial"/>
+            </a:endParaRPr>
+          </a:p>
+          <a:p>
+            <a:pPr indent="0" lvl="0" marL="0" rtl="0" algn="l">
+              <a:spcBef>
+                <a:spcPts val="0"/>
+              </a:spcBef>
+              <a:spcAft>
+                <a:spcPts val="0"/>
+              </a:spcAft>
+              <a:buNone/>
+            </a:pPr>
+            <a:r>
+              <a:t/>
+            </a:r>
+            <a:endParaRPr sz="1200">
+              <a:solidFill>
+                <a:srgbClr val="000000"/>
+              </a:solidFill>
+              <a:latin typeface="Arial"/>
+              <a:ea typeface="Arial"/>
+              <a:cs typeface="Arial"/>
+              <a:sym typeface="Arial"/>
+            </a:endParaRPr>
+          </a:p>
+          <a:p>
+            <a:pPr indent="0" lvl="0" marL="0" rtl="0" algn="l">
+              <a:spcBef>
+                <a:spcPts val="0"/>
+              </a:spcBef>
+              <a:spcAft>
+                <a:spcPts val="0"/>
+              </a:spcAft>
+              <a:buNone/>
+            </a:pPr>
+            <a:r>
+              <a:t/>
+            </a:r>
+            <a:endParaRPr sz="1200">
+              <a:solidFill>
+                <a:srgbClr val="000000"/>
+              </a:solidFill>
+              <a:latin typeface="Arial"/>
+              <a:ea typeface="Arial"/>
+              <a:cs typeface="Arial"/>
+              <a:sym typeface="Arial"/>
+            </a:endParaRPr>
+          </a:p>
+        </p:txBody>
+      </p:sp>
+      <p:sp>
+        <p:nvSpPr>
+          <p:cNvPr id="174" name="Google Shape;174;p27"/>
+          <p:cNvSpPr txBox="1"/>
+          <p:nvPr>
+            <p:ph type="title"/>
+          </p:nvPr>
+        </p:nvSpPr>
+        <p:spPr>
+          <a:xfrm>
+            <a:off x="649500" y="545775"/>
+            <a:ext cx="7688700" cy="535200"/>
+          </a:xfrm>
+          <a:prstGeom prst="rect">
+            <a:avLst/>
+          </a:prstGeom>
+        </p:spPr>
+        <p:txBody>
+          <a:bodyPr anchorCtr="0" anchor="t" bIns="91425" lIns="91425" spcFirstLastPara="1" rIns="91425" wrap="square" tIns="91425">
+            <a:noAutofit/>
+          </a:bodyPr>
+          <a:lstStyle/>
+          <a:p>
+            <a:pPr indent="0" lvl="0" marL="0" rtl="0" algn="l">
+              <a:spcBef>
+                <a:spcPts val="0"/>
+              </a:spcBef>
+              <a:spcAft>
+                <a:spcPts val="0"/>
+              </a:spcAft>
+              <a:buNone/>
+            </a:pPr>
+            <a:r>
+              <a:rPr lang="en"/>
+              <a:t>Regression Models Tested</a:t>
+            </a:r>
+            <a:endParaRPr/>
+          </a:p>
+          <a:p>
+            <a:pPr indent="0" lvl="0" marL="0" rtl="0" algn="l">
+              <a:spcBef>
+                <a:spcPts val="0"/>
+              </a:spcBef>
+              <a:spcAft>
+                <a:spcPts val="0"/>
+              </a:spcAft>
+              <a:buNone/>
+            </a:pPr>
+            <a:r>
+              <a:t/>
+            </a:r>
+            <a:endParaRPr/>
+          </a:p>
+        </p:txBody>
+      </p:sp>
+    </p:spTree>
+  </p:cSld>
+  <p:clrMapOvr>
+    <a:masterClrMapping/>
+  </p:clrMapOvr>
+</p:sld>
+</file>
+
+<file path=ppt/slides/slide16.xml><?xml version="1.0" encoding="utf-8"?>
+<p:sld xmlns:a="http://schemas.openxmlformats.org/drawingml/2006/main" xmlns:r="http://schemas.openxmlformats.org/officeDocument/2006/relationships" xmlns:mc="http://schemas.openxmlformats.org/markup-compatibility/2006" xmlns:mv="urn:schemas-microsoft-com:mac:vml" xmlns:p="http://schemas.openxmlformats.org/presentationml/2006/main" xmlns:c="http://schemas.openxmlformats.org/drawingml/2006/chart" xmlns:dgm="http://schemas.openxmlformats.org/drawingml/2006/diagram" xmlns:o="urn:schemas-microsoft-com:office:office" xmlns:v="urn:schemas-microsoft-com:vml" xmlns:pvml="urn:schemas-microsoft-com:office:powerpoint" xmlns:com="http://schemas.openxmlformats.org/drawingml/2006/compatibility" xmlns:p14="http://schemas.microsoft.com/office/powerpoint/2010/main" xmlns:p15="http://schemas.microsoft.com/office/powerpoint/2012/main">
+  <p:cSld>
+    <p:spTree>
+      <p:nvGrpSpPr>
+        <p:cNvPr id="178" name="Shape 178"/>
+        <p:cNvGrpSpPr/>
+        <p:nvPr/>
+      </p:nvGrpSpPr>
+      <p:grpSpPr>
+        <a:xfrm>
+          <a:off x="0" y="0"/>
+          <a:ext cx="0" cy="0"/>
+          <a:chOff x="0" y="0"/>
+          <a:chExt cx="0" cy="0"/>
+        </a:xfrm>
+      </p:grpSpPr>
+      <p:sp>
+        <p:nvSpPr>
+          <p:cNvPr id="179" name="Google Shape;179;p28"/>
+          <p:cNvSpPr txBox="1"/>
+          <p:nvPr>
+            <p:ph type="title"/>
+          </p:nvPr>
+        </p:nvSpPr>
+        <p:spPr>
+          <a:xfrm>
+            <a:off x="676150" y="545775"/>
+            <a:ext cx="7688700" cy="535200"/>
+          </a:xfrm>
+          <a:prstGeom prst="rect">
+            <a:avLst/>
+          </a:prstGeom>
+        </p:spPr>
+        <p:txBody>
+          <a:bodyPr anchorCtr="0" anchor="t" bIns="91425" lIns="91425" spcFirstLastPara="1" rIns="91425" wrap="square" tIns="91425">
+            <a:noAutofit/>
+          </a:bodyPr>
+          <a:lstStyle/>
+          <a:p>
+            <a:pPr indent="0" lvl="0" marL="0" rtl="0" algn="l">
+              <a:spcBef>
+                <a:spcPts val="0"/>
+              </a:spcBef>
+              <a:spcAft>
+                <a:spcPts val="0"/>
+              </a:spcAft>
+              <a:buNone/>
+            </a:pPr>
+            <a:r>
+              <a:rPr lang="en"/>
+              <a:t>Results for the Models</a:t>
+            </a:r>
+            <a:endParaRPr/>
+          </a:p>
+        </p:txBody>
+      </p:sp>
+      <p:graphicFrame>
+        <p:nvGraphicFramePr>
+          <p:cNvPr id="180" name="Google Shape;180;p28"/>
+          <p:cNvGraphicFramePr/>
+          <p:nvPr/>
+        </p:nvGraphicFramePr>
+        <p:xfrm>
+          <a:off x="952500" y="2086125"/>
+          <a:ext cx="3000000" cy="3000000"/>
+        </p:xfrm>
+        <a:graphic>
+          <a:graphicData uri="http://schemas.openxmlformats.org/drawingml/2006/table">
+            <a:tbl>
+              <a:tblPr>
+                <a:noFill/>
+                <a:tableStyleId>{338E965D-F059-4235-8D6B-D23AE26B0E28}</a:tableStyleId>
+              </a:tblPr>
+              <a:tblGrid>
+                <a:gridCol w="2413000"/>
+                <a:gridCol w="2413000"/>
+                <a:gridCol w="2413000"/>
+              </a:tblGrid>
+              <a:tr h="381000">
+                <a:tc>
+                  <a:txBody>
+                    <a:bodyPr/>
+                    <a:lstStyle/>
+                    <a:p>
+                      <a:pPr indent="0" lvl="0" marL="0" rtl="0" algn="ctr">
+                        <a:spcBef>
+                          <a:spcPts val="0"/>
+                        </a:spcBef>
+                        <a:spcAft>
+                          <a:spcPts val="0"/>
+                        </a:spcAft>
+                        <a:buNone/>
+                      </a:pPr>
+                      <a:r>
+                        <a:t/>
+                      </a:r>
+                      <a:endParaRPr b="1">
+                        <a:latin typeface="Lato"/>
+                        <a:ea typeface="Lato"/>
+                        <a:cs typeface="Lato"/>
+                        <a:sym typeface="Lato"/>
+                      </a:endParaRPr>
+                    </a:p>
+                  </a:txBody>
+                  <a:tcPr marT="91425" marB="91425" marR="91425" marL="91425"/>
+                </a:tc>
+                <a:tc>
+                  <a:txBody>
+                    <a:bodyPr/>
+                    <a:lstStyle/>
+                    <a:p>
+                      <a:pPr indent="0" lvl="0" marL="0" rtl="0" algn="ctr">
+                        <a:spcBef>
+                          <a:spcPts val="0"/>
+                        </a:spcBef>
+                        <a:spcAft>
+                          <a:spcPts val="0"/>
+                        </a:spcAft>
+                        <a:buNone/>
+                      </a:pPr>
+                      <a:r>
+                        <a:rPr b="1" lang="en">
+                          <a:latin typeface="Lato"/>
+                          <a:ea typeface="Lato"/>
+                          <a:cs typeface="Lato"/>
+                          <a:sym typeface="Lato"/>
+                        </a:rPr>
+                        <a:t>Total Solar (yrs)</a:t>
+                      </a:r>
+                      <a:endParaRPr b="1">
+                        <a:latin typeface="Lato"/>
+                        <a:ea typeface="Lato"/>
+                        <a:cs typeface="Lato"/>
+                        <a:sym typeface="Lato"/>
+                      </a:endParaRPr>
+                    </a:p>
+                  </a:txBody>
+                  <a:tcPr marT="91425" marB="91425" marR="91425" marL="91425"/>
+                </a:tc>
+                <a:tc>
+                  <a:txBody>
+                    <a:bodyPr/>
+                    <a:lstStyle/>
+                    <a:p>
+                      <a:pPr indent="0" lvl="0" marL="0" rtl="0" algn="ctr">
+                        <a:spcBef>
+                          <a:spcPts val="0"/>
+                        </a:spcBef>
+                        <a:spcAft>
+                          <a:spcPts val="0"/>
+                        </a:spcAft>
+                        <a:buNone/>
+                      </a:pPr>
+                      <a:r>
+                        <a:rPr b="1" lang="en">
+                          <a:latin typeface="Lato"/>
+                          <a:ea typeface="Lato"/>
+                          <a:cs typeface="Lato"/>
+                          <a:sym typeface="Lato"/>
+                        </a:rPr>
+                        <a:t>Total Lunar (yrs)</a:t>
+                      </a:r>
+                      <a:endParaRPr b="1">
+                        <a:latin typeface="Lato"/>
+                        <a:ea typeface="Lato"/>
+                        <a:cs typeface="Lato"/>
+                        <a:sym typeface="Lato"/>
+                      </a:endParaRPr>
+                    </a:p>
+                  </a:txBody>
+                  <a:tcPr marT="91425" marB="91425" marR="91425" marL="91425"/>
+                </a:tc>
+              </a:tr>
+              <a:tr h="381000">
+                <a:tc>
+                  <a:txBody>
+                    <a:bodyPr/>
+                    <a:lstStyle/>
+                    <a:p>
+                      <a:pPr indent="0" lvl="0" marL="0" rtl="0" algn="ctr">
+                        <a:spcBef>
+                          <a:spcPts val="0"/>
+                        </a:spcBef>
+                        <a:spcAft>
+                          <a:spcPts val="0"/>
+                        </a:spcAft>
+                        <a:buNone/>
+                      </a:pPr>
+                      <a:r>
+                        <a:rPr b="1" lang="en">
+                          <a:latin typeface="Lato"/>
+                          <a:ea typeface="Lato"/>
+                          <a:cs typeface="Lato"/>
+                          <a:sym typeface="Lato"/>
+                        </a:rPr>
+                        <a:t>Linear Regression</a:t>
+                      </a:r>
+                      <a:endParaRPr b="1">
+                        <a:latin typeface="Lato"/>
+                        <a:ea typeface="Lato"/>
+                        <a:cs typeface="Lato"/>
+                        <a:sym typeface="Lato"/>
+                      </a:endParaRPr>
+                    </a:p>
+                  </a:txBody>
+                  <a:tcPr marT="91425" marB="91425" marR="91425" marL="91425"/>
+                </a:tc>
+                <a:tc>
+                  <a:txBody>
+                    <a:bodyPr/>
+                    <a:lstStyle/>
+                    <a:p>
+                      <a:pPr indent="0" lvl="0" marL="0" rtl="0" algn="ctr">
+                        <a:spcBef>
+                          <a:spcPts val="0"/>
+                        </a:spcBef>
+                        <a:spcAft>
+                          <a:spcPts val="0"/>
+                        </a:spcAft>
+                        <a:buNone/>
+                      </a:pPr>
+                      <a:r>
+                        <a:rPr b="1" lang="en">
+                          <a:latin typeface="Lato"/>
+                          <a:ea typeface="Lato"/>
+                          <a:cs typeface="Lato"/>
+                          <a:sym typeface="Lato"/>
+                        </a:rPr>
+                        <a:t>4.8</a:t>
+                      </a:r>
+                      <a:endParaRPr b="1">
+                        <a:latin typeface="Lato"/>
+                        <a:ea typeface="Lato"/>
+                        <a:cs typeface="Lato"/>
+                        <a:sym typeface="Lato"/>
+                      </a:endParaRPr>
+                    </a:p>
+                  </a:txBody>
+                  <a:tcPr marT="91425" marB="91425" marR="91425" marL="91425"/>
+                </a:tc>
+                <a:tc>
+                  <a:txBody>
+                    <a:bodyPr/>
+                    <a:lstStyle/>
+                    <a:p>
+                      <a:pPr indent="0" lvl="0" marL="0" rtl="0" algn="ctr">
+                        <a:spcBef>
+                          <a:spcPts val="0"/>
+                        </a:spcBef>
+                        <a:spcAft>
+                          <a:spcPts val="0"/>
+                        </a:spcAft>
+                        <a:buNone/>
+                      </a:pPr>
+                      <a:r>
+                        <a:rPr b="1" lang="en">
+                          <a:latin typeface="Lato"/>
+                          <a:ea typeface="Lato"/>
+                          <a:cs typeface="Lato"/>
+                          <a:sym typeface="Lato"/>
+                        </a:rPr>
+                        <a:t>5.4</a:t>
+                      </a:r>
+                      <a:endParaRPr b="1">
+                        <a:latin typeface="Lato"/>
+                        <a:ea typeface="Lato"/>
+                        <a:cs typeface="Lato"/>
+                        <a:sym typeface="Lato"/>
+                      </a:endParaRPr>
+                    </a:p>
+                  </a:txBody>
+                  <a:tcPr marT="91425" marB="91425" marR="91425" marL="91425"/>
+                </a:tc>
+              </a:tr>
+              <a:tr h="381000">
+                <a:tc>
+                  <a:txBody>
+                    <a:bodyPr/>
+                    <a:lstStyle/>
+                    <a:p>
+                      <a:pPr indent="0" lvl="0" marL="0" rtl="0" algn="ctr">
+                        <a:spcBef>
+                          <a:spcPts val="0"/>
+                        </a:spcBef>
+                        <a:spcAft>
+                          <a:spcPts val="0"/>
+                        </a:spcAft>
+                        <a:buNone/>
+                      </a:pPr>
+                      <a:r>
+                        <a:rPr b="1" lang="en">
+                          <a:latin typeface="Lato"/>
+                          <a:ea typeface="Lato"/>
+                          <a:cs typeface="Lato"/>
+                          <a:sym typeface="Lato"/>
+                        </a:rPr>
+                        <a:t>Lasso Regression</a:t>
+                      </a:r>
+                      <a:endParaRPr b="1">
+                        <a:latin typeface="Lato"/>
+                        <a:ea typeface="Lato"/>
+                        <a:cs typeface="Lato"/>
+                        <a:sym typeface="Lato"/>
+                      </a:endParaRPr>
+                    </a:p>
+                  </a:txBody>
+                  <a:tcPr marT="91425" marB="91425" marR="91425" marL="91425"/>
+                </a:tc>
+                <a:tc>
+                  <a:txBody>
+                    <a:bodyPr/>
+                    <a:lstStyle/>
+                    <a:p>
+                      <a:pPr indent="0" lvl="0" marL="0" rtl="0" algn="ctr">
+                        <a:spcBef>
+                          <a:spcPts val="0"/>
+                        </a:spcBef>
+                        <a:spcAft>
+                          <a:spcPts val="0"/>
+                        </a:spcAft>
+                        <a:buNone/>
+                      </a:pPr>
+                      <a:r>
+                        <a:rPr b="1" lang="en">
+                          <a:latin typeface="Lato"/>
+                          <a:ea typeface="Lato"/>
+                          <a:cs typeface="Lato"/>
+                          <a:sym typeface="Lato"/>
+                        </a:rPr>
+                        <a:t>4.8</a:t>
+                      </a:r>
+                      <a:endParaRPr b="1">
+                        <a:latin typeface="Lato"/>
+                        <a:ea typeface="Lato"/>
+                        <a:cs typeface="Lato"/>
+                        <a:sym typeface="Lato"/>
+                      </a:endParaRPr>
+                    </a:p>
+                  </a:txBody>
+                  <a:tcPr marT="91425" marB="91425" marR="91425" marL="91425"/>
+                </a:tc>
+                <a:tc>
+                  <a:txBody>
+                    <a:bodyPr/>
+                    <a:lstStyle/>
+                    <a:p>
+                      <a:pPr indent="0" lvl="0" marL="0" rtl="0" algn="ctr">
+                        <a:spcBef>
+                          <a:spcPts val="0"/>
+                        </a:spcBef>
+                        <a:spcAft>
+                          <a:spcPts val="0"/>
+                        </a:spcAft>
+                        <a:buNone/>
+                      </a:pPr>
+                      <a:r>
+                        <a:rPr b="1" lang="en">
+                          <a:latin typeface="Lato"/>
+                          <a:ea typeface="Lato"/>
+                          <a:cs typeface="Lato"/>
+                          <a:sym typeface="Lato"/>
+                        </a:rPr>
+                        <a:t>5.3</a:t>
+                      </a:r>
+                      <a:endParaRPr b="1">
+                        <a:latin typeface="Lato"/>
+                        <a:ea typeface="Lato"/>
+                        <a:cs typeface="Lato"/>
+                        <a:sym typeface="Lato"/>
+                      </a:endParaRPr>
+                    </a:p>
+                  </a:txBody>
+                  <a:tcPr marT="91425" marB="91425" marR="91425" marL="91425"/>
+                </a:tc>
+              </a:tr>
+              <a:tr h="381000">
+                <a:tc>
+                  <a:txBody>
+                    <a:bodyPr/>
+                    <a:lstStyle/>
+                    <a:p>
+                      <a:pPr indent="0" lvl="0" marL="0" rtl="0" algn="ctr">
+                        <a:spcBef>
+                          <a:spcPts val="0"/>
+                        </a:spcBef>
+                        <a:spcAft>
+                          <a:spcPts val="0"/>
+                        </a:spcAft>
+                        <a:buNone/>
+                      </a:pPr>
+                      <a:r>
+                        <a:rPr b="1" lang="en">
+                          <a:latin typeface="Lato"/>
+                          <a:ea typeface="Lato"/>
+                          <a:cs typeface="Lato"/>
+                          <a:sym typeface="Lato"/>
+                        </a:rPr>
+                        <a:t>Ridge Regression</a:t>
+                      </a:r>
+                      <a:endParaRPr b="1">
+                        <a:latin typeface="Lato"/>
+                        <a:ea typeface="Lato"/>
+                        <a:cs typeface="Lato"/>
+                        <a:sym typeface="Lato"/>
+                      </a:endParaRPr>
+                    </a:p>
+                  </a:txBody>
+                  <a:tcPr marT="91425" marB="91425" marR="91425" marL="91425"/>
+                </a:tc>
+                <a:tc>
+                  <a:txBody>
+                    <a:bodyPr/>
+                    <a:lstStyle/>
+                    <a:p>
+                      <a:pPr indent="0" lvl="0" marL="0" rtl="0" algn="ctr">
+                        <a:spcBef>
+                          <a:spcPts val="0"/>
+                        </a:spcBef>
+                        <a:spcAft>
+                          <a:spcPts val="0"/>
+                        </a:spcAft>
+                        <a:buNone/>
+                      </a:pPr>
+                      <a:r>
+                        <a:rPr b="1" lang="en">
+                          <a:latin typeface="Lato"/>
+                          <a:ea typeface="Lato"/>
+                          <a:cs typeface="Lato"/>
+                          <a:sym typeface="Lato"/>
+                        </a:rPr>
+                        <a:t>4.9</a:t>
+                      </a:r>
+                      <a:endParaRPr b="1">
+                        <a:latin typeface="Lato"/>
+                        <a:ea typeface="Lato"/>
+                        <a:cs typeface="Lato"/>
+                        <a:sym typeface="Lato"/>
+                      </a:endParaRPr>
+                    </a:p>
+                  </a:txBody>
+                  <a:tcPr marT="91425" marB="91425" marR="91425" marL="91425"/>
+                </a:tc>
+                <a:tc>
+                  <a:txBody>
+                    <a:bodyPr/>
+                    <a:lstStyle/>
+                    <a:p>
+                      <a:pPr indent="0" lvl="0" marL="0" rtl="0" algn="ctr">
+                        <a:spcBef>
+                          <a:spcPts val="0"/>
+                        </a:spcBef>
+                        <a:spcAft>
+                          <a:spcPts val="0"/>
+                        </a:spcAft>
+                        <a:buNone/>
+                      </a:pPr>
+                      <a:r>
+                        <a:rPr b="1" lang="en">
+                          <a:latin typeface="Lato"/>
+                          <a:ea typeface="Lato"/>
+                          <a:cs typeface="Lato"/>
+                          <a:sym typeface="Lato"/>
+                        </a:rPr>
+                        <a:t>5.3</a:t>
+                      </a:r>
+                      <a:endParaRPr b="1">
+                        <a:latin typeface="Lato"/>
+                        <a:ea typeface="Lato"/>
+                        <a:cs typeface="Lato"/>
+                        <a:sym typeface="Lato"/>
+                      </a:endParaRPr>
+                    </a:p>
+                  </a:txBody>
+                  <a:tcPr marT="91425" marB="91425" marR="91425" marL="91425"/>
+                </a:tc>
+              </a:tr>
+              <a:tr h="381000">
+                <a:tc>
+                  <a:txBody>
+                    <a:bodyPr/>
+                    <a:lstStyle/>
+                    <a:p>
+                      <a:pPr indent="0" lvl="0" marL="0" rtl="0" algn="ctr">
+                        <a:spcBef>
+                          <a:spcPts val="0"/>
+                        </a:spcBef>
+                        <a:spcAft>
+                          <a:spcPts val="0"/>
+                        </a:spcAft>
+                        <a:buNone/>
+                      </a:pPr>
+                      <a:r>
+                        <a:rPr b="1" lang="en">
+                          <a:highlight>
+                            <a:srgbClr val="FCE5CD"/>
+                          </a:highlight>
+                          <a:latin typeface="Lato"/>
+                          <a:ea typeface="Lato"/>
+                          <a:cs typeface="Lato"/>
+                          <a:sym typeface="Lato"/>
+                        </a:rPr>
+                        <a:t>Polynomial Regression</a:t>
+                      </a:r>
+                      <a:endParaRPr b="1">
+                        <a:highlight>
+                          <a:srgbClr val="FCE5CD"/>
+                        </a:highlight>
+                        <a:latin typeface="Lato"/>
+                        <a:ea typeface="Lato"/>
+                        <a:cs typeface="Lato"/>
+                        <a:sym typeface="Lato"/>
+                      </a:endParaRPr>
+                    </a:p>
+                  </a:txBody>
+                  <a:tcPr marT="91425" marB="91425" marR="91425" marL="91425"/>
+                </a:tc>
+                <a:tc>
+                  <a:txBody>
+                    <a:bodyPr/>
+                    <a:lstStyle/>
+                    <a:p>
+                      <a:pPr indent="0" lvl="0" marL="0" rtl="0" algn="ctr">
+                        <a:spcBef>
+                          <a:spcPts val="0"/>
+                        </a:spcBef>
+                        <a:spcAft>
+                          <a:spcPts val="0"/>
+                        </a:spcAft>
+                        <a:buNone/>
+                      </a:pPr>
+                      <a:r>
+                        <a:rPr b="1" lang="en">
+                          <a:highlight>
+                            <a:srgbClr val="FCE5CD"/>
+                          </a:highlight>
+                          <a:latin typeface="Lato"/>
+                          <a:ea typeface="Lato"/>
+                          <a:cs typeface="Lato"/>
+                          <a:sym typeface="Lato"/>
+                        </a:rPr>
+                        <a:t>4.6</a:t>
+                      </a:r>
+                      <a:endParaRPr b="1">
+                        <a:highlight>
+                          <a:srgbClr val="FCE5CD"/>
+                        </a:highlight>
+                        <a:latin typeface="Lato"/>
+                        <a:ea typeface="Lato"/>
+                        <a:cs typeface="Lato"/>
+                        <a:sym typeface="Lato"/>
+                      </a:endParaRPr>
+                    </a:p>
+                  </a:txBody>
+                  <a:tcPr marT="91425" marB="91425" marR="91425" marL="91425"/>
+                </a:tc>
+                <a:tc>
+                  <a:txBody>
+                    <a:bodyPr/>
+                    <a:lstStyle/>
+                    <a:p>
+                      <a:pPr indent="0" lvl="0" marL="0" rtl="0" algn="ctr">
+                        <a:spcBef>
+                          <a:spcPts val="0"/>
+                        </a:spcBef>
+                        <a:spcAft>
+                          <a:spcPts val="0"/>
+                        </a:spcAft>
+                        <a:buNone/>
+                      </a:pPr>
+                      <a:r>
+                        <a:rPr b="1" lang="en">
+                          <a:highlight>
+                            <a:srgbClr val="FCE5CD"/>
+                          </a:highlight>
+                          <a:latin typeface="Lato"/>
+                          <a:ea typeface="Lato"/>
+                          <a:cs typeface="Lato"/>
+                          <a:sym typeface="Lato"/>
+                        </a:rPr>
+                        <a:t>4.4</a:t>
+                      </a:r>
+                      <a:endParaRPr b="1">
+                        <a:highlight>
+                          <a:srgbClr val="FCE5CD"/>
+                        </a:highlight>
+                        <a:latin typeface="Lato"/>
+                        <a:ea typeface="Lato"/>
+                        <a:cs typeface="Lato"/>
+                        <a:sym typeface="Lato"/>
+                      </a:endParaRPr>
+                    </a:p>
+                  </a:txBody>
+                  <a:tcPr marT="91425" marB="91425" marR="91425" marL="91425"/>
+                </a:tc>
+              </a:tr>
+              <a:tr h="381000">
+                <a:tc>
+                  <a:txBody>
+                    <a:bodyPr/>
+                    <a:lstStyle/>
+                    <a:p>
+                      <a:pPr indent="0" lvl="0" marL="0" rtl="0" algn="ctr">
+                        <a:spcBef>
+                          <a:spcPts val="0"/>
+                        </a:spcBef>
+                        <a:spcAft>
+                          <a:spcPts val="0"/>
+                        </a:spcAft>
+                        <a:buNone/>
+                      </a:pPr>
+                      <a:r>
+                        <a:rPr b="1" lang="en">
+                          <a:latin typeface="Lato"/>
+                          <a:ea typeface="Lato"/>
+                          <a:cs typeface="Lato"/>
+                          <a:sym typeface="Lato"/>
+                        </a:rPr>
+                        <a:t>Bayesian Regression</a:t>
+                      </a:r>
+                      <a:endParaRPr b="1">
+                        <a:latin typeface="Lato"/>
+                        <a:ea typeface="Lato"/>
+                        <a:cs typeface="Lato"/>
+                        <a:sym typeface="Lato"/>
+                      </a:endParaRPr>
+                    </a:p>
+                  </a:txBody>
+                  <a:tcPr marT="91425" marB="91425" marR="91425" marL="91425"/>
+                </a:tc>
+                <a:tc>
+                  <a:txBody>
+                    <a:bodyPr/>
+                    <a:lstStyle/>
+                    <a:p>
+                      <a:pPr indent="0" lvl="0" marL="0" rtl="0" algn="ctr">
+                        <a:spcBef>
+                          <a:spcPts val="0"/>
+                        </a:spcBef>
+                        <a:spcAft>
+                          <a:spcPts val="0"/>
+                        </a:spcAft>
+                        <a:buNone/>
+                      </a:pPr>
+                      <a:r>
+                        <a:rPr b="1" lang="en">
+                          <a:latin typeface="Lato"/>
+                          <a:ea typeface="Lato"/>
+                          <a:cs typeface="Lato"/>
+                          <a:sym typeface="Lato"/>
+                        </a:rPr>
+                        <a:t>4.8</a:t>
+                      </a:r>
+                      <a:endParaRPr b="1">
+                        <a:latin typeface="Lato"/>
+                        <a:ea typeface="Lato"/>
+                        <a:cs typeface="Lato"/>
+                        <a:sym typeface="Lato"/>
+                      </a:endParaRPr>
+                    </a:p>
+                  </a:txBody>
+                  <a:tcPr marT="91425" marB="91425" marR="91425" marL="91425"/>
+                </a:tc>
+                <a:tc>
+                  <a:txBody>
+                    <a:bodyPr/>
+                    <a:lstStyle/>
+                    <a:p>
+                      <a:pPr indent="0" lvl="0" marL="0" rtl="0" algn="ctr">
+                        <a:spcBef>
+                          <a:spcPts val="0"/>
+                        </a:spcBef>
+                        <a:spcAft>
+                          <a:spcPts val="0"/>
+                        </a:spcAft>
+                        <a:buNone/>
+                      </a:pPr>
+                      <a:r>
+                        <a:rPr b="1" lang="en">
+                          <a:latin typeface="Lato"/>
+                          <a:ea typeface="Lato"/>
+                          <a:cs typeface="Lato"/>
+                          <a:sym typeface="Lato"/>
+                        </a:rPr>
+                        <a:t>5.4</a:t>
+                      </a:r>
+                      <a:endParaRPr b="1">
+                        <a:latin typeface="Lato"/>
+                        <a:ea typeface="Lato"/>
+                        <a:cs typeface="Lato"/>
+                        <a:sym typeface="Lato"/>
+                      </a:endParaRPr>
+                    </a:p>
+                  </a:txBody>
+                  <a:tcPr marT="91425" marB="91425" marR="91425" marL="91425"/>
+                </a:tc>
+              </a:tr>
+            </a:tbl>
+          </a:graphicData>
+        </a:graphic>
+      </p:graphicFrame>
+      <p:sp>
+        <p:nvSpPr>
+          <p:cNvPr id="181" name="Google Shape;181;p28"/>
+          <p:cNvSpPr txBox="1"/>
+          <p:nvPr/>
+        </p:nvSpPr>
+        <p:spPr>
+          <a:xfrm>
+            <a:off x="897225" y="1359175"/>
+            <a:ext cx="6858000" cy="535200"/>
+          </a:xfrm>
+          <a:prstGeom prst="rect">
+            <a:avLst/>
+          </a:prstGeom>
+          <a:noFill/>
+          <a:ln>
+            <a:noFill/>
+          </a:ln>
+        </p:spPr>
+        <p:txBody>
+          <a:bodyPr anchorCtr="0" anchor="t" bIns="91425" lIns="91425" spcFirstLastPara="1" rIns="91425" wrap="square" tIns="91425">
+            <a:noAutofit/>
+          </a:bodyPr>
+          <a:lstStyle/>
+          <a:p>
+            <a:pPr indent="0" lvl="0" marL="0" rtl="0" algn="l">
+              <a:spcBef>
+                <a:spcPts val="0"/>
+              </a:spcBef>
+              <a:spcAft>
+                <a:spcPts val="0"/>
+              </a:spcAft>
+              <a:buNone/>
+            </a:pPr>
+            <a:r>
+              <a:rPr lang="en">
+                <a:latin typeface="Lato"/>
+                <a:ea typeface="Lato"/>
+                <a:cs typeface="Lato"/>
+                <a:sym typeface="Lato"/>
+              </a:rPr>
+              <a:t>Below are the Root Mean Square Errors (RMSE) computed for total solar and total lunar eclipses for each model.</a:t>
+            </a:r>
+            <a:endParaRPr>
+              <a:latin typeface="Lato"/>
+              <a:ea typeface="Lato"/>
+              <a:cs typeface="Lato"/>
+              <a:sym typeface="Lato"/>
+            </a:endParaRPr>
+          </a:p>
+        </p:txBody>
+      </p:sp>
+    </p:spTree>
+  </p:cSld>
+  <p:clrMapOvr>
+    <a:masterClrMapping/>
+  </p:clrMapOvr>
+</p:sld>
+</file>
+
+<file path=ppt/slides/slide17.xml><?xml version="1.0" encoding="utf-8"?>
+<p:sld xmlns:a="http://schemas.openxmlformats.org/drawingml/2006/main" xmlns:r="http://schemas.openxmlformats.org/officeDocument/2006/relationships" xmlns:mc="http://schemas.openxmlformats.org/markup-compatibility/2006" xmlns:mv="urn:schemas-microsoft-com:mac:vml" xmlns:p="http://schemas.openxmlformats.org/presentationml/2006/main" xmlns:c="http://schemas.openxmlformats.org/drawingml/2006/chart" xmlns:dgm="http://schemas.openxmlformats.org/drawingml/2006/diagram" xmlns:o="urn:schemas-microsoft-com:office:office" xmlns:v="urn:schemas-microsoft-com:vml" xmlns:pvml="urn:schemas-microsoft-com:office:powerpoint" xmlns:com="http://schemas.openxmlformats.org/drawingml/2006/compatibility" xmlns:p14="http://schemas.microsoft.com/office/powerpoint/2010/main" xmlns:p15="http://schemas.microsoft.com/office/powerpoint/2012/main">
+  <p:cSld>
+    <p:spTree>
+      <p:nvGrpSpPr>
+        <p:cNvPr id="185" name="Shape 185"/>
+        <p:cNvGrpSpPr/>
+        <p:nvPr/>
+      </p:nvGrpSpPr>
+      <p:grpSpPr>
+        <a:xfrm>
+          <a:off x="0" y="0"/>
+          <a:ext cx="0" cy="0"/>
+          <a:chOff x="0" y="0"/>
+          <a:chExt cx="0" cy="0"/>
+        </a:xfrm>
+      </p:grpSpPr>
+      <p:sp>
+        <p:nvSpPr>
+          <p:cNvPr id="186" name="Google Shape;186;p29"/>
+          <p:cNvSpPr txBox="1"/>
+          <p:nvPr>
+            <p:ph type="title"/>
+          </p:nvPr>
+        </p:nvSpPr>
+        <p:spPr>
+          <a:xfrm>
+            <a:off x="685025" y="545800"/>
+            <a:ext cx="7688700" cy="535200"/>
+          </a:xfrm>
+          <a:prstGeom prst="rect">
+            <a:avLst/>
+          </a:prstGeom>
+        </p:spPr>
+        <p:txBody>
+          <a:bodyPr anchorCtr="0" anchor="t" bIns="91425" lIns="91425" spcFirstLastPara="1" rIns="91425" wrap="square" tIns="91425">
+            <a:noAutofit/>
+          </a:bodyPr>
+          <a:lstStyle/>
+          <a:p>
+            <a:pPr indent="0" lvl="0" marL="0" rtl="0" algn="l">
+              <a:spcBef>
+                <a:spcPts val="0"/>
+              </a:spcBef>
+              <a:spcAft>
+                <a:spcPts val="0"/>
+              </a:spcAft>
+              <a:buNone/>
+            </a:pPr>
+            <a:r>
+              <a:rPr lang="en"/>
+              <a:t>Results Analysis</a:t>
+            </a:r>
+            <a:endParaRPr/>
+          </a:p>
+        </p:txBody>
+      </p:sp>
+      <p:sp>
+        <p:nvSpPr>
+          <p:cNvPr id="187" name="Google Shape;187;p29"/>
+          <p:cNvSpPr txBox="1"/>
+          <p:nvPr>
+            <p:ph idx="1" type="body"/>
+          </p:nvPr>
+        </p:nvSpPr>
+        <p:spPr>
+          <a:xfrm>
+            <a:off x="685025" y="1803500"/>
+            <a:ext cx="7688700" cy="2583900"/>
+          </a:xfrm>
+          <a:prstGeom prst="rect">
+            <a:avLst/>
+          </a:prstGeom>
+        </p:spPr>
+        <p:txBody>
+          <a:bodyPr anchorCtr="0" anchor="t" bIns="91425" lIns="91425" spcFirstLastPara="1" rIns="91425" wrap="square" tIns="91425">
+            <a:noAutofit/>
+          </a:bodyPr>
+          <a:lstStyle/>
+          <a:p>
+            <a:pPr indent="0" lvl="0" marL="0" rtl="0" algn="l">
+              <a:spcBef>
+                <a:spcPts val="0"/>
+              </a:spcBef>
+              <a:spcAft>
+                <a:spcPts val="0"/>
+              </a:spcAft>
+              <a:buNone/>
+            </a:pPr>
+            <a:r>
+              <a:rPr lang="en"/>
+              <a:t>Conclusion:</a:t>
+            </a:r>
+            <a:endParaRPr/>
+          </a:p>
+          <a:p>
+            <a:pPr indent="0" lvl="0" marL="457200" rtl="0" algn="l">
+              <a:spcBef>
+                <a:spcPts val="1600"/>
+              </a:spcBef>
+              <a:spcAft>
+                <a:spcPts val="0"/>
+              </a:spcAft>
+              <a:buNone/>
+            </a:pPr>
+            <a:r>
+              <a:rPr lang="en"/>
+              <a:t>All RMSE results seem to be around the same range of 4-5 years. This might imply that the data is not suitable for machine learning regression models.</a:t>
+            </a:r>
+            <a:endParaRPr/>
+          </a:p>
+          <a:p>
+            <a:pPr indent="0" lvl="0" marL="0" rtl="0" algn="l">
+              <a:spcBef>
+                <a:spcPts val="1600"/>
+              </a:spcBef>
+              <a:spcAft>
+                <a:spcPts val="0"/>
+              </a:spcAft>
+              <a:buNone/>
+            </a:pPr>
+            <a:r>
+              <a:rPr lang="en"/>
+              <a:t>Future Work:</a:t>
+            </a:r>
+            <a:endParaRPr/>
+          </a:p>
+          <a:p>
+            <a:pPr indent="0" lvl="0" marL="457200" rtl="0" algn="l">
+              <a:spcBef>
+                <a:spcPts val="1600"/>
+              </a:spcBef>
+              <a:spcAft>
+                <a:spcPts val="0"/>
+              </a:spcAft>
+              <a:buNone/>
+            </a:pPr>
+            <a:r>
+              <a:rPr lang="en"/>
+              <a:t>Try different </a:t>
+            </a:r>
+            <a:r>
+              <a:rPr lang="en"/>
+              <a:t>models </a:t>
+            </a:r>
+            <a:r>
+              <a:rPr lang="en"/>
+              <a:t>in the future such as gaussian processes and deep learning models such as neural networks.</a:t>
+            </a:r>
+            <a:endParaRPr/>
+          </a:p>
+          <a:p>
+            <a:pPr indent="0" lvl="0" marL="0" rtl="0" algn="l">
+              <a:spcBef>
+                <a:spcPts val="1600"/>
+              </a:spcBef>
+              <a:spcAft>
+                <a:spcPts val="0"/>
+              </a:spcAft>
+              <a:buNone/>
+            </a:pPr>
+            <a:r>
+              <a:rPr lang="en"/>
+              <a:t>	Request the data </a:t>
+            </a:r>
+            <a:r>
+              <a:rPr lang="en"/>
+              <a:t>collectors</a:t>
+            </a:r>
+            <a:r>
+              <a:rPr lang="en"/>
+              <a:t> to collect data in a certain way so as to improve the prediction models.</a:t>
+            </a:r>
+            <a:endParaRPr/>
+          </a:p>
+          <a:p>
+            <a:pPr indent="0" lvl="0" marL="0" rtl="0" algn="l">
+              <a:spcBef>
+                <a:spcPts val="1600"/>
+              </a:spcBef>
+              <a:spcAft>
+                <a:spcPts val="1600"/>
+              </a:spcAft>
+              <a:buNone/>
+            </a:pPr>
+            <a:r>
+              <a:rPr lang="en"/>
+              <a:t>	Using standard astrophysics models may prove to be more accurate.</a:t>
+            </a:r>
+            <a:endParaRPr/>
+          </a:p>
+        </p:txBody>
+      </p:sp>
     </p:spTree>
   </p:cSld>
   <p:clrMapOvr>
@@ -11544,6 +14726,285 @@
 </file>
 
 <file path=ppt/theme/theme1.xml><?xml version="1.0" encoding="utf-8"?>
+<a:theme xmlns:a="http://schemas.openxmlformats.org/drawingml/2006/main" xmlns:r="http://schemas.openxmlformats.org/officeDocument/2006/relationships">
+  <a:themeElements>
+    <a:clrScheme name="Default">
+      <a:dk1>
+        <a:srgbClr val="000000"/>
+      </a:dk1>
+      <a:lt1>
+        <a:srgbClr val="FFFFFF"/>
+      </a:lt1>
+      <a:dk2>
+        <a:srgbClr val="158158"/>
+      </a:dk2>
+      <a:lt2>
+        <a:srgbClr val="F3F3F3"/>
+      </a:lt2>
+      <a:accent1>
+        <a:srgbClr val="058DC7"/>
+      </a:accent1>
+      <a:accent2>
+        <a:srgbClr val="50B432"/>
+      </a:accent2>
+      <a:accent3>
+        <a:srgbClr val="ED561B"/>
+      </a:accent3>
+      <a:accent4>
+        <a:srgbClr val="EDEF00"/>
+      </a:accent4>
+      <a:accent5>
+        <a:srgbClr val="24CBE5"/>
+      </a:accent5>
+      <a:accent6>
+        <a:srgbClr val="64E572"/>
+      </a:accent6>
+      <a:hlink>
+        <a:srgbClr val="2200CC"/>
+      </a:hlink>
+      <a:folHlink>
+        <a:srgbClr val="551A8B"/>
+      </a:folHlink>
+    </a:clrScheme>
+    <a:fontScheme name="Office">
+      <a:majorFont>
+        <a:latin typeface="Arial"/>
+        <a:ea typeface=""/>
+        <a:cs typeface=""/>
+        <a:font script="Jpan" typeface="ＭＳ Ｐゴシック"/>
+        <a:font script="Hang" typeface="맑은 고딕"/>
+        <a:font script="Hans" typeface="宋体"/>
+        <a:font script="Hant" typeface="新細明體"/>
+        <a:font script="Arab" typeface="Times New Roman"/>
+        <a:font script="Hebr" typeface="Times New Roman"/>
+        <a:font script="Thai" typeface="Angsana New"/>
+        <a:font script="Ethi" typeface="Nyala"/>
+        <a:font script="Beng" typeface="Vrinda"/>
+        <a:font script="Gujr" typeface="Shruti"/>
+        <a:font script="Khmr" typeface="MoolBoran"/>
+        <a:font script="Knda" typeface="Tunga"/>
+        <a:font script="Guru" typeface="Raavi"/>
+        <a:font script="Cans" typeface="Euphemia"/>
+        <a:font script="Cher" typeface="Plantagenet Cherokee"/>
+        <a:font script="Yiii" typeface="Microsoft Yi Baiti"/>
+        <a:font script="Tibt" typeface="Microsoft Himalaya"/>
+        <a:font script="Thaa" typeface="MV Boli"/>
+        <a:font script="Deva" typeface="Mangal"/>
+        <a:font script="Telu" typeface="Gautami"/>
+        <a:font script="Taml" typeface="Latha"/>
+        <a:font script="Syrc" typeface="Estrangelo Edessa"/>
+        <a:font script="Orya" typeface="Kalinga"/>
+        <a:font script="Mlym" typeface="Kartika"/>
+        <a:font script="Laoo" typeface="DokChampa"/>
+        <a:font script="Sinh" typeface="Iskoola Pota"/>
+        <a:font script="Mong" typeface="Mongolian Baiti"/>
+        <a:font script="Viet" typeface="Times New Roman"/>
+        <a:font script="Uigh" typeface="Microsoft Uighur"/>
+        <a:font script="Geor" typeface="Sylfaen"/>
+      </a:majorFont>
+      <a:minorFont>
+        <a:latin typeface="Arial"/>
+        <a:ea typeface=""/>
+        <a:cs typeface=""/>
+        <a:font script="Jpan" typeface="ＭＳ Ｐゴシック"/>
+        <a:font script="Hang" typeface="맑은 고딕"/>
+        <a:font script="Hans" typeface="宋体"/>
+        <a:font script="Hant" typeface="新細明體"/>
+        <a:font script="Arab" typeface="Arial"/>
+        <a:font script="Hebr" typeface="Arial"/>
+        <a:font script="Thai" typeface="Cordia New"/>
+        <a:font script="Ethi" typeface="Nyala"/>
+        <a:font script="Beng" typeface="Vrinda"/>
+        <a:font script="Gujr" typeface="Shruti"/>
+        <a:font script="Khmr" typeface="DaunPenh"/>
+        <a:font script="Knda" typeface="Tunga"/>
+        <a:font script="Guru" typeface="Raavi"/>
+        <a:font script="Cans" typeface="Euphemia"/>
+        <a:font script="Cher" typeface="Plantagenet Cherokee"/>
+        <a:font script="Yiii" typeface="Microsoft Yi Baiti"/>
+        <a:font script="Tibt" typeface="Microsoft Himalaya"/>
+        <a:font script="Thaa" typeface="MV Boli"/>
+        <a:font script="Deva" typeface="Mangal"/>
+        <a:font script="Telu" typeface="Gautami"/>
+        <a:font script="Taml" typeface="Latha"/>
+        <a:font script="Syrc" typeface="Estrangelo Edessa"/>
+        <a:font script="Orya" typeface="Kalinga"/>
+        <a:font script="Mlym" typeface="Kartika"/>
+        <a:font script="Laoo" typeface="DokChampa"/>
+        <a:font script="Sinh" typeface="Iskoola Pota"/>
+        <a:font script="Mong" typeface="Mongolian Baiti"/>
+        <a:font script="Viet" typeface="Arial"/>
+        <a:font script="Uigh" typeface="Microsoft Uighur"/>
+        <a:font script="Geor" typeface="Sylfaen"/>
+      </a:minorFont>
+    </a:fontScheme>
+    <a:fmtScheme name="Office">
+      <a:fillStyleLst>
+        <a:solidFill>
+          <a:schemeClr val="phClr"/>
+        </a:solidFill>
+        <a:gradFill rotWithShape="1">
+          <a:gsLst>
+            <a:gs pos="0">
+              <a:schemeClr val="phClr">
+                <a:tint val="50000"/>
+                <a:satMod val="300000"/>
+              </a:schemeClr>
+            </a:gs>
+            <a:gs pos="35000">
+              <a:schemeClr val="phClr">
+                <a:tint val="37000"/>
+                <a:satMod val="300000"/>
+              </a:schemeClr>
+            </a:gs>
+            <a:gs pos="100000">
+              <a:schemeClr val="phClr">
+                <a:tint val="15000"/>
+                <a:satMod val="350000"/>
+              </a:schemeClr>
+            </a:gs>
+          </a:gsLst>
+          <a:lin ang="16200000" scaled="1"/>
+        </a:gradFill>
+        <a:gradFill rotWithShape="1">
+          <a:gsLst>
+            <a:gs pos="0">
+              <a:schemeClr val="phClr">
+                <a:tint val="100000"/>
+                <a:shade val="100000"/>
+                <a:satMod val="130000"/>
+              </a:schemeClr>
+            </a:gs>
+            <a:gs pos="100000">
+              <a:schemeClr val="phClr">
+                <a:tint val="50000"/>
+                <a:shade val="100000"/>
+                <a:satMod val="350000"/>
+              </a:schemeClr>
+            </a:gs>
+          </a:gsLst>
+          <a:lin ang="16200000" scaled="0"/>
+        </a:gradFill>
+      </a:fillStyleLst>
+      <a:lnStyleLst>
+        <a:ln w="9525" cap="flat" cmpd="sng" algn="ctr">
+          <a:solidFill>
+            <a:schemeClr val="phClr">
+              <a:shade val="95000"/>
+              <a:satMod val="105000"/>
+            </a:schemeClr>
+          </a:solidFill>
+          <a:prstDash val="solid"/>
+        </a:ln>
+        <a:ln w="25400" cap="flat" cmpd="sng" algn="ctr">
+          <a:solidFill>
+            <a:schemeClr val="phClr"/>
+          </a:solidFill>
+          <a:prstDash val="solid"/>
+        </a:ln>
+        <a:ln w="38100" cap="flat" cmpd="sng" algn="ctr">
+          <a:solidFill>
+            <a:schemeClr val="phClr"/>
+          </a:solidFill>
+          <a:prstDash val="solid"/>
+        </a:ln>
+      </a:lnStyleLst>
+      <a:effectStyleLst>
+        <a:effectStyle>
+          <a:effectLst>
+            <a:outerShdw blurRad="40000" dist="20000" dir="5400000" rotWithShape="0">
+              <a:srgbClr val="000000">
+                <a:alpha val="38000"/>
+              </a:srgbClr>
+            </a:outerShdw>
+          </a:effectLst>
+        </a:effectStyle>
+        <a:effectStyle>
+          <a:effectLst>
+            <a:outerShdw blurRad="40000" dist="23000" dir="5400000" rotWithShape="0">
+              <a:srgbClr val="000000">
+                <a:alpha val="35000"/>
+              </a:srgbClr>
+            </a:outerShdw>
+          </a:effectLst>
+        </a:effectStyle>
+        <a:effectStyle>
+          <a:effectLst>
+            <a:outerShdw blurRad="40000" dist="23000" dir="5400000" rotWithShape="0">
+              <a:srgbClr val="000000">
+                <a:alpha val="35000"/>
+              </a:srgbClr>
+            </a:outerShdw>
+          </a:effectLst>
+          <a:scene3d>
+            <a:camera prst="orthographicFront">
+              <a:rot lat="0" lon="0" rev="0"/>
+            </a:camera>
+            <a:lightRig rig="threePt" dir="t">
+              <a:rot lat="0" lon="0" rev="1200000"/>
+            </a:lightRig>
+          </a:scene3d>
+          <a:sp3d>
+            <a:bevelT w="63500" h="25400"/>
+          </a:sp3d>
+        </a:effectStyle>
+      </a:effectStyleLst>
+      <a:bgFillStyleLst>
+        <a:solidFill>
+          <a:schemeClr val="phClr"/>
+        </a:solidFill>
+        <a:gradFill rotWithShape="1">
+          <a:gsLst>
+            <a:gs pos="0">
+              <a:schemeClr val="phClr">
+                <a:tint val="40000"/>
+                <a:satMod val="350000"/>
+              </a:schemeClr>
+            </a:gs>
+            <a:gs pos="40000">
+              <a:schemeClr val="phClr">
+                <a:tint val="45000"/>
+                <a:shade val="99000"/>
+                <a:satMod val="350000"/>
+              </a:schemeClr>
+            </a:gs>
+            <a:gs pos="100000">
+              <a:schemeClr val="phClr">
+                <a:shade val="20000"/>
+                <a:satMod val="255000"/>
+              </a:schemeClr>
+            </a:gs>
+          </a:gsLst>
+          <a:path path="circle">
+            <a:fillToRect l="50000" t="-80000" r="50000" b="180000"/>
+          </a:path>
+        </a:gradFill>
+        <a:gradFill rotWithShape="1">
+          <a:gsLst>
+            <a:gs pos="0">
+              <a:schemeClr val="phClr">
+                <a:tint val="80000"/>
+                <a:satMod val="300000"/>
+              </a:schemeClr>
+            </a:gs>
+            <a:gs pos="100000">
+              <a:schemeClr val="phClr">
+                <a:shade val="30000"/>
+                <a:satMod val="200000"/>
+              </a:schemeClr>
+            </a:gs>
+          </a:gsLst>
+          <a:path path="circle">
+            <a:fillToRect l="50000" t="50000" r="50000" b="50000"/>
+          </a:path>
+        </a:gradFill>
+      </a:bgFillStyleLst>
+    </a:fmtScheme>
+  </a:themeElements>
+</a:theme>
+</file>
+
+<file path=ppt/theme/theme2.xml><?xml version="1.0" encoding="utf-8"?>
 <a:theme xmlns:a="http://schemas.openxmlformats.org/drawingml/2006/main" xmlns:r="http://schemas.openxmlformats.org/officeDocument/2006/relationships" name="Streamline">
   <a:themeElements>
     <a:clrScheme name="Streamline">
@@ -11820,283 +15281,4 @@
     </a:fmtScheme>
   </a:themeElements>
 </a:theme>
-</file>
-
-<file path=ppt/theme/theme2.xml><?xml version="1.0" encoding="utf-8"?>
-<a:theme xmlns:a="http://schemas.openxmlformats.org/drawingml/2006/main" xmlns:r="http://schemas.openxmlformats.org/officeDocument/2006/relationships">
-  <a:themeElements>
-    <a:clrScheme name="Default">
-      <a:dk1>
-        <a:srgbClr val="000000"/>
-      </a:dk1>
-      <a:lt1>
-        <a:srgbClr val="FFFFFF"/>
-      </a:lt1>
-      <a:dk2>
-        <a:srgbClr val="158158"/>
-      </a:dk2>
-      <a:lt2>
-        <a:srgbClr val="F3F3F3"/>
-      </a:lt2>
-      <a:accent1>
-        <a:srgbClr val="058DC7"/>
-      </a:accent1>
-      <a:accent2>
-        <a:srgbClr val="50B432"/>
-      </a:accent2>
-      <a:accent3>
-        <a:srgbClr val="ED561B"/>
-      </a:accent3>
-      <a:accent4>
-        <a:srgbClr val="EDEF00"/>
-      </a:accent4>
-      <a:accent5>
-        <a:srgbClr val="24CBE5"/>
-      </a:accent5>
-      <a:accent6>
-        <a:srgbClr val="64E572"/>
-      </a:accent6>
-      <a:hlink>
-        <a:srgbClr val="2200CC"/>
-      </a:hlink>
-      <a:folHlink>
-        <a:srgbClr val="551A8B"/>
-      </a:folHlink>
-    </a:clrScheme>
-    <a:fontScheme name="Office">
-      <a:majorFont>
-        <a:latin typeface="Arial"/>
-        <a:ea typeface=""/>
-        <a:cs typeface=""/>
-        <a:font script="Jpan" typeface="ＭＳ Ｐゴシック"/>
-        <a:font script="Hang" typeface="맑은 고딕"/>
-        <a:font script="Hans" typeface="宋体"/>
-        <a:font script="Hant" typeface="新細明體"/>
-        <a:font script="Arab" typeface="Times New Roman"/>
-        <a:font script="Hebr" typeface="Times New Roman"/>
-        <a:font script="Thai" typeface="Angsana New"/>
-        <a:font script="Ethi" typeface="Nyala"/>
-        <a:font script="Beng" typeface="Vrinda"/>
-        <a:font script="Gujr" typeface="Shruti"/>
-        <a:font script="Khmr" typeface="MoolBoran"/>
-        <a:font script="Knda" typeface="Tunga"/>
-        <a:font script="Guru" typeface="Raavi"/>
-        <a:font script="Cans" typeface="Euphemia"/>
-        <a:font script="Cher" typeface="Plantagenet Cherokee"/>
-        <a:font script="Yiii" typeface="Microsoft Yi Baiti"/>
-        <a:font script="Tibt" typeface="Microsoft Himalaya"/>
-        <a:font script="Thaa" typeface="MV Boli"/>
-        <a:font script="Deva" typeface="Mangal"/>
-        <a:font script="Telu" typeface="Gautami"/>
-        <a:font script="Taml" typeface="Latha"/>
-        <a:font script="Syrc" typeface="Estrangelo Edessa"/>
-        <a:font script="Orya" typeface="Kalinga"/>
-        <a:font script="Mlym" typeface="Kartika"/>
-        <a:font script="Laoo" typeface="DokChampa"/>
-        <a:font script="Sinh" typeface="Iskoola Pota"/>
-        <a:font script="Mong" typeface="Mongolian Baiti"/>
-        <a:font script="Viet" typeface="Times New Roman"/>
-        <a:font script="Uigh" typeface="Microsoft Uighur"/>
-        <a:font script="Geor" typeface="Sylfaen"/>
-      </a:majorFont>
-      <a:minorFont>
-        <a:latin typeface="Arial"/>
-        <a:ea typeface=""/>
-        <a:cs typeface=""/>
-        <a:font script="Jpan" typeface="ＭＳ Ｐゴシック"/>
-        <a:font script="Hang" typeface="맑은 고딕"/>
-        <a:font script="Hans" typeface="宋体"/>
-        <a:font script="Hant" typeface="新細明體"/>
-        <a:font script="Arab" typeface="Arial"/>
-        <a:font script="Hebr" typeface="Arial"/>
-        <a:font script="Thai" typeface="Cordia New"/>
-        <a:font script="Ethi" typeface="Nyala"/>
-        <a:font script="Beng" typeface="Vrinda"/>
-        <a:font script="Gujr" typeface="Shruti"/>
-        <a:font script="Khmr" typeface="DaunPenh"/>
-        <a:font script="Knda" typeface="Tunga"/>
-        <a:font script="Guru" typeface="Raavi"/>
-        <a:font script="Cans" typeface="Euphemia"/>
-        <a:font script="Cher" typeface="Plantagenet Cherokee"/>
-        <a:font script="Yiii" typeface="Microsoft Yi Baiti"/>
-        <a:font script="Tibt" typeface="Microsoft Himalaya"/>
-        <a:font script="Thaa" typeface="MV Boli"/>
-        <a:font script="Deva" typeface="Mangal"/>
-        <a:font script="Telu" typeface="Gautami"/>
-        <a:font script="Taml" typeface="Latha"/>
-        <a:font script="Syrc" typeface="Estrangelo Edessa"/>
-        <a:font script="Orya" typeface="Kalinga"/>
-        <a:font script="Mlym" typeface="Kartika"/>
-        <a:font script="Laoo" typeface="DokChampa"/>
-        <a:font script="Sinh" typeface="Iskoola Pota"/>
-        <a:font script="Mong" typeface="Mongolian Baiti"/>
-        <a:font script="Viet" typeface="Arial"/>
-        <a:font script="Uigh" typeface="Microsoft Uighur"/>
-        <a:font script="Geor" typeface="Sylfaen"/>
-      </a:minorFont>
-    </a:fontScheme>
-    <a:fmtScheme name="Office">
-      <a:fillStyleLst>
-        <a:solidFill>
-          <a:schemeClr val="phClr"/>
-        </a:solidFill>
-        <a:gradFill rotWithShape="1">
-          <a:gsLst>
-            <a:gs pos="0">
-              <a:schemeClr val="phClr">
-                <a:tint val="50000"/>
-                <a:satMod val="300000"/>
-              </a:schemeClr>
-            </a:gs>
-            <a:gs pos="35000">
-              <a:schemeClr val="phClr">
-                <a:tint val="37000"/>
-                <a:satMod val="300000"/>
-              </a:schemeClr>
-            </a:gs>
-            <a:gs pos="100000">
-              <a:schemeClr val="phClr">
-                <a:tint val="15000"/>
-                <a:satMod val="350000"/>
-              </a:schemeClr>
-            </a:gs>
-          </a:gsLst>
-          <a:lin ang="16200000" scaled="1"/>
-        </a:gradFill>
-        <a:gradFill rotWithShape="1">
-          <a:gsLst>
-            <a:gs pos="0">
-              <a:schemeClr val="phClr">
-                <a:tint val="100000"/>
-                <a:shade val="100000"/>
-                <a:satMod val="130000"/>
-              </a:schemeClr>
-            </a:gs>
-            <a:gs pos="100000">
-              <a:schemeClr val="phClr">
-                <a:tint val="50000"/>
-                <a:shade val="100000"/>
-                <a:satMod val="350000"/>
-              </a:schemeClr>
-            </a:gs>
-          </a:gsLst>
-          <a:lin ang="16200000" scaled="0"/>
-        </a:gradFill>
-      </a:fillStyleLst>
-      <a:lnStyleLst>
-        <a:ln w="9525" cap="flat" cmpd="sng" algn="ctr">
-          <a:solidFill>
-            <a:schemeClr val="phClr">
-              <a:shade val="95000"/>
-              <a:satMod val="105000"/>
-            </a:schemeClr>
-          </a:solidFill>
-          <a:prstDash val="solid"/>
-        </a:ln>
-        <a:ln w="25400" cap="flat" cmpd="sng" algn="ctr">
-          <a:solidFill>
-            <a:schemeClr val="phClr"/>
-          </a:solidFill>
-          <a:prstDash val="solid"/>
-        </a:ln>
-        <a:ln w="38100" cap="flat" cmpd="sng" algn="ctr">
-          <a:solidFill>
-            <a:schemeClr val="phClr"/>
-          </a:solidFill>
-          <a:prstDash val="solid"/>
-        </a:ln>
-      </a:lnStyleLst>
-      <a:effectStyleLst>
-        <a:effectStyle>
-          <a:effectLst>
-            <a:outerShdw blurRad="40000" dist="20000" dir="5400000" rotWithShape="0">
-              <a:srgbClr val="000000">
-                <a:alpha val="38000"/>
-              </a:srgbClr>
-            </a:outerShdw>
-          </a:effectLst>
-        </a:effectStyle>
-        <a:effectStyle>
-          <a:effectLst>
-            <a:outerShdw blurRad="40000" dist="23000" dir="5400000" rotWithShape="0">
-              <a:srgbClr val="000000">
-                <a:alpha val="35000"/>
-              </a:srgbClr>
-            </a:outerShdw>
-          </a:effectLst>
-        </a:effectStyle>
-        <a:effectStyle>
-          <a:effectLst>
-            <a:outerShdw blurRad="40000" dist="23000" dir="5400000" rotWithShape="0">
-              <a:srgbClr val="000000">
-                <a:alpha val="35000"/>
-              </a:srgbClr>
-            </a:outerShdw>
-          </a:effectLst>
-          <a:scene3d>
-            <a:camera prst="orthographicFront">
-              <a:rot lat="0" lon="0" rev="0"/>
-            </a:camera>
-            <a:lightRig rig="threePt" dir="t">
-              <a:rot lat="0" lon="0" rev="1200000"/>
-            </a:lightRig>
-          </a:scene3d>
-          <a:sp3d>
-            <a:bevelT w="63500" h="25400"/>
-          </a:sp3d>
-        </a:effectStyle>
-      </a:effectStyleLst>
-      <a:bgFillStyleLst>
-        <a:solidFill>
-          <a:schemeClr val="phClr"/>
-        </a:solidFill>
-        <a:gradFill rotWithShape="1">
-          <a:gsLst>
-            <a:gs pos="0">
-              <a:schemeClr val="phClr">
-                <a:tint val="40000"/>
-                <a:satMod val="350000"/>
-              </a:schemeClr>
-            </a:gs>
-            <a:gs pos="40000">
-              <a:schemeClr val="phClr">
-                <a:tint val="45000"/>
-                <a:shade val="99000"/>
-                <a:satMod val="350000"/>
-              </a:schemeClr>
-            </a:gs>
-            <a:gs pos="100000">
-              <a:schemeClr val="phClr">
-                <a:shade val="20000"/>
-                <a:satMod val="255000"/>
-              </a:schemeClr>
-            </a:gs>
-          </a:gsLst>
-          <a:path path="circle">
-            <a:fillToRect l="50000" t="-80000" r="50000" b="180000"/>
-          </a:path>
-        </a:gradFill>
-        <a:gradFill rotWithShape="1">
-          <a:gsLst>
-            <a:gs pos="0">
-              <a:schemeClr val="phClr">
-                <a:tint val="80000"/>
-                <a:satMod val="300000"/>
-              </a:schemeClr>
-            </a:gs>
-            <a:gs pos="100000">
-              <a:schemeClr val="phClr">
-                <a:shade val="30000"/>
-                <a:satMod val="200000"/>
-              </a:schemeClr>
-            </a:gs>
-          </a:gsLst>
-          <a:path path="circle">
-            <a:fillToRect l="50000" t="50000" r="50000" b="50000"/>
-          </a:path>
-        </a:gradFill>
-      </a:bgFillStyleLst>
-    </a:fmtScheme>
-  </a:themeElements>
-</a:theme>
 </file>